--- a/T.I/Lost Music.pptx
+++ b/T.I/Lost Music.pptx
@@ -306,7 +306,7 @@
           <a:p>
             <a:fld id="{98EE36EE-2119-413B-B4E2-73F30E89711B}" type="slidenum">
               <a:rPr lang="pt-BR" smtClean="0"/>
-              <a:t>‹#›</a:t>
+              <a:t>‹nº›</a:t>
             </a:fld>
             <a:endParaRPr lang="pt-BR"/>
           </a:p>
@@ -564,7 +564,7 @@
           <a:p>
             <a:fld id="{289471B8-1DC6-4F97-8F32-A394D954EC21}" type="slidenum">
               <a:rPr lang="pt-BR" noProof="0" smtClean="0"/>
-              <a:t>‹#›</a:t>
+              <a:t>‹nº›</a:t>
             </a:fld>
             <a:endParaRPr lang="pt-BR" noProof="0"/>
           </a:p>
@@ -963,7 +963,7 @@
           <a:p>
             <a:fld id="{C3DB2ADC-AF19-4574-8C10-79B5B04FCA27}" type="slidenum">
               <a:rPr lang="en-US" smtClean="0"/>
-              <a:t>‹#›</a:t>
+              <a:t>‹nº›</a:t>
             </a:fld>
             <a:endParaRPr lang="en-US"/>
           </a:p>
@@ -1161,7 +1161,7 @@
           <a:p>
             <a:fld id="{C3DB2ADC-AF19-4574-8C10-79B5B04FCA27}" type="slidenum">
               <a:rPr lang="en-US" smtClean="0"/>
-              <a:t>‹#›</a:t>
+              <a:t>‹nº›</a:t>
             </a:fld>
             <a:endParaRPr lang="en-US"/>
           </a:p>
@@ -1369,7 +1369,7 @@
           <a:p>
             <a:fld id="{C3DB2ADC-AF19-4574-8C10-79B5B04FCA27}" type="slidenum">
               <a:rPr lang="en-US" smtClean="0"/>
-              <a:t>‹#›</a:t>
+              <a:t>‹nº›</a:t>
             </a:fld>
             <a:endParaRPr lang="en-US"/>
           </a:p>
@@ -1567,7 +1567,7 @@
           <a:p>
             <a:fld id="{C3DB2ADC-AF19-4574-8C10-79B5B04FCA27}" type="slidenum">
               <a:rPr lang="en-US" smtClean="0"/>
-              <a:t>‹#›</a:t>
+              <a:t>‹nº›</a:t>
             </a:fld>
             <a:endParaRPr lang="en-US"/>
           </a:p>
@@ -1842,7 +1842,7 @@
           <a:p>
             <a:fld id="{C3DB2ADC-AF19-4574-8C10-79B5B04FCA27}" type="slidenum">
               <a:rPr lang="en-US" smtClean="0"/>
-              <a:t>‹#›</a:t>
+              <a:t>‹nº›</a:t>
             </a:fld>
             <a:endParaRPr lang="en-US"/>
           </a:p>
@@ -2112,7 +2112,7 @@
           <a:p>
             <a:fld id="{C3DB2ADC-AF19-4574-8C10-79B5B04FCA27}" type="slidenum">
               <a:rPr lang="en-US" smtClean="0"/>
-              <a:t>‹#›</a:t>
+              <a:t>‹nº›</a:t>
             </a:fld>
             <a:endParaRPr lang="en-US"/>
           </a:p>
@@ -2532,7 +2532,7 @@
           <a:p>
             <a:fld id="{C3DB2ADC-AF19-4574-8C10-79B5B04FCA27}" type="slidenum">
               <a:rPr lang="en-US" smtClean="0"/>
-              <a:t>‹#›</a:t>
+              <a:t>‹nº›</a:t>
             </a:fld>
             <a:endParaRPr lang="en-US"/>
           </a:p>
@@ -2673,7 +2673,7 @@
           <a:p>
             <a:fld id="{C3DB2ADC-AF19-4574-8C10-79B5B04FCA27}" type="slidenum">
               <a:rPr lang="en-US" smtClean="0"/>
-              <a:t>‹#›</a:t>
+              <a:t>‹nº›</a:t>
             </a:fld>
             <a:endParaRPr lang="en-US"/>
           </a:p>
@@ -2786,7 +2786,7 @@
           <a:p>
             <a:fld id="{C3DB2ADC-AF19-4574-8C10-79B5B04FCA27}" type="slidenum">
               <a:rPr lang="en-US" smtClean="0"/>
-              <a:t>‹#›</a:t>
+              <a:t>‹nº›</a:t>
             </a:fld>
             <a:endParaRPr lang="en-US"/>
           </a:p>
@@ -3097,7 +3097,7 @@
           <a:p>
             <a:fld id="{C3DB2ADC-AF19-4574-8C10-79B5B04FCA27}" type="slidenum">
               <a:rPr lang="en-US" smtClean="0"/>
-              <a:t>‹#›</a:t>
+              <a:t>‹nº›</a:t>
             </a:fld>
             <a:endParaRPr lang="en-US"/>
           </a:p>
@@ -3385,7 +3385,7 @@
           <a:p>
             <a:fld id="{C3DB2ADC-AF19-4574-8C10-79B5B04FCA27}" type="slidenum">
               <a:rPr lang="en-US" smtClean="0"/>
-              <a:t>‹#›</a:t>
+              <a:t>‹nº›</a:t>
             </a:fld>
             <a:endParaRPr lang="en-US"/>
           </a:p>
@@ -3660,7 +3660,7 @@
             <a:fld id="{C3DB2ADC-AF19-4574-8C10-79B5B04FCA27}" type="slidenum">
               <a:rPr lang="en-US" smtClean="0"/>
               <a:pPr/>
-              <a:t>‹#›</a:t>
+              <a:t>‹nº›</a:t>
             </a:fld>
             <a:endParaRPr lang="en-US" dirty="0"/>
           </a:p>
@@ -4341,27 +4341,8 @@
                 <a:ea typeface="+mj-ea"/>
                 <a:cs typeface="+mj-cs"/>
               </a:rPr>
-              <a:t>Toque como seus </a:t>
-            </a:r>
-            <a:r>
-              <a:rPr lang="pt-BR" sz="1600" cap="all" spc="30" dirty="0" err="1">
-                <a:solidFill>
-                  <a:srgbClr val="FFFFFF"/>
-                </a:solidFill>
-                <a:latin typeface="+mj-lt"/>
-                <a:ea typeface="+mj-ea"/>
-                <a:cs typeface="+mj-cs"/>
-              </a:rPr>
-              <a:t>herois</a:t>
-            </a:r>
-            <a:endParaRPr lang="pt-BR" sz="1600" cap="all" spc="30" dirty="0">
-              <a:solidFill>
-                <a:srgbClr val="FFFFFF"/>
-              </a:solidFill>
-              <a:latin typeface="+mj-lt"/>
-              <a:ea typeface="+mj-ea"/>
-              <a:cs typeface="+mj-cs"/>
-            </a:endParaRPr>
+              <a:t>Toque como seus heróis</a:t>
+            </a:r>
           </a:p>
         </p:txBody>
       </p:sp>

--- a/T.I/Lost Music.pptx
+++ b/T.I/Lost Music.pptx
@@ -5,10 +5,10 @@
     <p:sldMasterId id="2147483814" r:id="rId1"/>
   </p:sldMasterIdLst>
   <p:notesMasterIdLst>
-    <p:notesMasterId r:id="rId8"/>
+    <p:notesMasterId r:id="rId10"/>
   </p:notesMasterIdLst>
   <p:handoutMasterIdLst>
-    <p:handoutMasterId r:id="rId9"/>
+    <p:handoutMasterId r:id="rId11"/>
   </p:handoutMasterIdLst>
   <p:sldIdLst>
     <p:sldId id="256" r:id="rId2"/>
@@ -16,7 +16,9 @@
     <p:sldId id="258" r:id="rId4"/>
     <p:sldId id="259" r:id="rId5"/>
     <p:sldId id="260" r:id="rId6"/>
-    <p:sldId id="261" r:id="rId7"/>
+    <p:sldId id="262" r:id="rId7"/>
+    <p:sldId id="263" r:id="rId8"/>
+    <p:sldId id="261" r:id="rId9"/>
   </p:sldIdLst>
   <p:sldSz cx="12192000" cy="6858000"/>
   <p:notesSz cx="6858000" cy="9144000"/>
@@ -228,7 +230,7 @@
           <a:p>
             <a:fld id="{1A768782-1892-4033-B3F1-B430C15EFDE6}" type="datetimeFigureOut">
               <a:rPr lang="pt-BR" smtClean="0"/>
-              <a:t>02/06/2022</a:t>
+              <a:t>05/06/2022</a:t>
             </a:fld>
             <a:endParaRPr lang="pt-BR"/>
           </a:p>
@@ -406,7 +408,7 @@
           <a:p>
             <a:fld id="{F40F486B-199A-4784-901C-4DCE88BFC78A}" type="datetimeFigureOut">
               <a:rPr lang="pt-BR" noProof="0" smtClean="0"/>
-              <a:t>02/06/2022</a:t>
+              <a:t>05/06/2022</a:t>
             </a:fld>
             <a:endParaRPr lang="pt-BR" noProof="0"/>
           </a:p>
@@ -909,7 +911,7 @@
           <a:p>
             <a:fld id="{2F3E8B1C-86EF-43CF-8304-249481088644}" type="datetimeFigureOut">
               <a:rPr lang="en-US" smtClean="0"/>
-              <a:t>6/2/2022</a:t>
+              <a:t>6/5/2022</a:t>
             </a:fld>
             <a:endParaRPr lang="en-US"/>
           </a:p>
@@ -1107,7 +1109,7 @@
           <a:p>
             <a:fld id="{2F3E8B1C-86EF-43CF-8304-249481088644}" type="datetimeFigureOut">
               <a:rPr lang="en-US" smtClean="0"/>
-              <a:t>6/2/2022</a:t>
+              <a:t>6/5/2022</a:t>
             </a:fld>
             <a:endParaRPr lang="en-US"/>
           </a:p>
@@ -1315,7 +1317,7 @@
           <a:p>
             <a:fld id="{2F3E8B1C-86EF-43CF-8304-249481088644}" type="datetimeFigureOut">
               <a:rPr lang="en-US" smtClean="0"/>
-              <a:t>6/2/2022</a:t>
+              <a:t>6/5/2022</a:t>
             </a:fld>
             <a:endParaRPr lang="en-US"/>
           </a:p>
@@ -1513,7 +1515,7 @@
           <a:p>
             <a:fld id="{2F3E8B1C-86EF-43CF-8304-249481088644}" type="datetimeFigureOut">
               <a:rPr lang="en-US" smtClean="0"/>
-              <a:t>6/2/2022</a:t>
+              <a:t>6/5/2022</a:t>
             </a:fld>
             <a:endParaRPr lang="en-US"/>
           </a:p>
@@ -1788,7 +1790,7 @@
           <a:p>
             <a:fld id="{2F3E8B1C-86EF-43CF-8304-249481088644}" type="datetimeFigureOut">
               <a:rPr lang="en-US" smtClean="0"/>
-              <a:t>6/2/2022</a:t>
+              <a:t>6/5/2022</a:t>
             </a:fld>
             <a:endParaRPr lang="en-US"/>
           </a:p>
@@ -2058,7 +2060,7 @@
           <a:p>
             <a:fld id="{2F3E8B1C-86EF-43CF-8304-249481088644}" type="datetimeFigureOut">
               <a:rPr lang="en-US" smtClean="0"/>
-              <a:t>6/2/2022</a:t>
+              <a:t>6/5/2022</a:t>
             </a:fld>
             <a:endParaRPr lang="en-US"/>
           </a:p>
@@ -2478,7 +2480,7 @@
           <a:p>
             <a:fld id="{2F3E8B1C-86EF-43CF-8304-249481088644}" type="datetimeFigureOut">
               <a:rPr lang="en-US" smtClean="0"/>
-              <a:t>6/2/2022</a:t>
+              <a:t>6/5/2022</a:t>
             </a:fld>
             <a:endParaRPr lang="en-US"/>
           </a:p>
@@ -2619,7 +2621,7 @@
           <a:p>
             <a:fld id="{2F3E8B1C-86EF-43CF-8304-249481088644}" type="datetimeFigureOut">
               <a:rPr lang="en-US" smtClean="0"/>
-              <a:t>6/2/2022</a:t>
+              <a:t>6/5/2022</a:t>
             </a:fld>
             <a:endParaRPr lang="en-US"/>
           </a:p>
@@ -2732,7 +2734,7 @@
           <a:p>
             <a:fld id="{2F3E8B1C-86EF-43CF-8304-249481088644}" type="datetimeFigureOut">
               <a:rPr lang="en-US" smtClean="0"/>
-              <a:t>6/2/2022</a:t>
+              <a:t>6/5/2022</a:t>
             </a:fld>
             <a:endParaRPr lang="en-US"/>
           </a:p>
@@ -3043,7 +3045,7 @@
           <a:p>
             <a:fld id="{2F3E8B1C-86EF-43CF-8304-249481088644}" type="datetimeFigureOut">
               <a:rPr lang="en-US" smtClean="0"/>
-              <a:t>6/2/2022</a:t>
+              <a:t>6/5/2022</a:t>
             </a:fld>
             <a:endParaRPr lang="en-US"/>
           </a:p>
@@ -3331,7 +3333,7 @@
           <a:p>
             <a:fld id="{2F3E8B1C-86EF-43CF-8304-249481088644}" type="datetimeFigureOut">
               <a:rPr lang="en-US" smtClean="0"/>
-              <a:t>6/2/2022</a:t>
+              <a:t>6/5/2022</a:t>
             </a:fld>
             <a:endParaRPr lang="en-US"/>
           </a:p>
@@ -3572,7 +3574,7 @@
             <a:fld id="{2F3E8B1C-86EF-43CF-8304-249481088644}" type="datetimeFigureOut">
               <a:rPr lang="en-US" smtClean="0"/>
               <a:pPr/>
-              <a:t>6/2/2022</a:t>
+              <a:t>6/5/2022</a:t>
             </a:fld>
             <a:endParaRPr lang="en-US" dirty="0"/>
           </a:p>
@@ -6298,6 +6300,1420 @@
 </file>
 
 <file path=ppt/slides/slide6.xml><?xml version="1.0" encoding="utf-8"?>
+<p:sld xmlns:a="http://schemas.openxmlformats.org/drawingml/2006/main" xmlns:r="http://schemas.openxmlformats.org/officeDocument/2006/relationships" xmlns:p="http://schemas.openxmlformats.org/presentationml/2006/main">
+  <p:cSld>
+    <p:bg>
+      <p:bgPr>
+        <a:solidFill>
+          <a:schemeClr val="bg1"/>
+        </a:solidFill>
+        <a:effectLst/>
+      </p:bgPr>
+    </p:bg>
+    <p:spTree>
+      <p:nvGrpSpPr>
+        <p:cNvPr id="1" name=""/>
+        <p:cNvGrpSpPr/>
+        <p:nvPr/>
+      </p:nvGrpSpPr>
+      <p:grpSpPr>
+        <a:xfrm>
+          <a:off x="0" y="0"/>
+          <a:ext cx="0" cy="0"/>
+          <a:chOff x="0" y="0"/>
+          <a:chExt cx="0" cy="0"/>
+        </a:xfrm>
+      </p:grpSpPr>
+      <p:cxnSp>
+        <p:nvCxnSpPr>
+          <p:cNvPr id="21" name="Straight Connector 20">
+            <a:extLst>
+              <a:ext uri="{FF2B5EF4-FFF2-40B4-BE49-F238E27FC236}">
+                <a16:creationId xmlns:a16="http://schemas.microsoft.com/office/drawing/2014/main" id="{F64F9B95-9045-48D2-B9F3-2927E98F54AA}"/>
+              </a:ext>
+              <a:ext uri="{C183D7F6-B498-43B3-948B-1728B52AA6E4}">
+                <adec:decorative xmlns:adec="http://schemas.microsoft.com/office/drawing/2017/decorative" val="1"/>
+              </a:ext>
+            </a:extLst>
+          </p:cNvPr>
+          <p:cNvCxnSpPr>
+            <a:cxnSpLocks noGrp="1" noRot="1" noChangeAspect="1" noMove="1" noResize="1" noEditPoints="1" noAdjustHandles="1" noChangeArrowheads="1" noChangeShapeType="1"/>
+          </p:cNvCxnSpPr>
+          <p:nvPr>
+            <p:extLst>
+              <p:ext uri="{386F3935-93C4-4BCD-93E2-E3B085C9AB24}">
+                <p16:designElem xmlns:p16="http://schemas.microsoft.com/office/powerpoint/2015/main" val="1"/>
+              </p:ext>
+            </p:extLst>
+          </p:nvPr>
+        </p:nvCxnSpPr>
+        <p:spPr>
+          <a:xfrm>
+            <a:off x="800100" y="723900"/>
+            <a:ext cx="10591800" cy="0"/>
+          </a:xfrm>
+          <a:prstGeom prst="line">
+            <a:avLst/>
+          </a:prstGeom>
+          <a:ln w="44450">
+            <a:solidFill>
+              <a:schemeClr val="tx1"/>
+            </a:solidFill>
+          </a:ln>
+        </p:spPr>
+        <p:style>
+          <a:lnRef idx="1">
+            <a:schemeClr val="accent1"/>
+          </a:lnRef>
+          <a:fillRef idx="0">
+            <a:schemeClr val="accent1"/>
+          </a:fillRef>
+          <a:effectRef idx="0">
+            <a:schemeClr val="accent1"/>
+          </a:effectRef>
+          <a:fontRef idx="minor">
+            <a:schemeClr val="tx1"/>
+          </a:fontRef>
+        </p:style>
+      </p:cxnSp>
+      <p:cxnSp>
+        <p:nvCxnSpPr>
+          <p:cNvPr id="23" name="Straight Connector 22">
+            <a:extLst>
+              <a:ext uri="{FF2B5EF4-FFF2-40B4-BE49-F238E27FC236}">
+                <a16:creationId xmlns:a16="http://schemas.microsoft.com/office/drawing/2014/main" id="{085AA86F-6A4D-4BCB-A045-D992CDC2959B}"/>
+              </a:ext>
+              <a:ext uri="{C183D7F6-B498-43B3-948B-1728B52AA6E4}">
+                <adec:decorative xmlns:adec="http://schemas.microsoft.com/office/drawing/2017/decorative" val="1"/>
+              </a:ext>
+            </a:extLst>
+          </p:cNvPr>
+          <p:cNvCxnSpPr>
+            <a:cxnSpLocks noGrp="1" noRot="1" noChangeAspect="1" noMove="1" noResize="1" noEditPoints="1" noAdjustHandles="1" noChangeArrowheads="1" noChangeShapeType="1"/>
+          </p:cNvCxnSpPr>
+          <p:nvPr>
+            <p:extLst>
+              <p:ext uri="{386F3935-93C4-4BCD-93E2-E3B085C9AB24}">
+                <p16:designElem xmlns:p16="http://schemas.microsoft.com/office/powerpoint/2015/main" val="1"/>
+              </p:ext>
+            </p:extLst>
+          </p:nvPr>
+        </p:nvCxnSpPr>
+        <p:spPr>
+          <a:xfrm>
+            <a:off x="800100" y="6142781"/>
+            <a:ext cx="10591800" cy="0"/>
+          </a:xfrm>
+          <a:prstGeom prst="line">
+            <a:avLst/>
+          </a:prstGeom>
+          <a:ln w="12700">
+            <a:solidFill>
+              <a:schemeClr val="tx1"/>
+            </a:solidFill>
+          </a:ln>
+        </p:spPr>
+        <p:style>
+          <a:lnRef idx="1">
+            <a:schemeClr val="accent1"/>
+          </a:lnRef>
+          <a:fillRef idx="0">
+            <a:schemeClr val="accent1"/>
+          </a:fillRef>
+          <a:effectRef idx="0">
+            <a:schemeClr val="accent1"/>
+          </a:effectRef>
+          <a:fontRef idx="minor">
+            <a:schemeClr val="tx1"/>
+          </a:fontRef>
+        </p:style>
+      </p:cxnSp>
+      <p:sp>
+        <p:nvSpPr>
+          <p:cNvPr id="25" name="Rectangle 24">
+            <a:extLst>
+              <a:ext uri="{FF2B5EF4-FFF2-40B4-BE49-F238E27FC236}">
+                <a16:creationId xmlns:a16="http://schemas.microsoft.com/office/drawing/2014/main" id="{DEF92653-5D6D-47E6-8744-0DAF76E049C4}"/>
+              </a:ext>
+              <a:ext uri="{C183D7F6-B498-43B3-948B-1728B52AA6E4}">
+                <adec:decorative xmlns:adec="http://schemas.microsoft.com/office/drawing/2017/decorative" val="1"/>
+              </a:ext>
+            </a:extLst>
+          </p:cNvPr>
+          <p:cNvSpPr>
+            <a:spLocks noGrp="1" noRot="1" noChangeAspect="1" noMove="1" noResize="1" noEditPoints="1" noAdjustHandles="1" noChangeArrowheads="1" noChangeShapeType="1" noTextEdit="1"/>
+          </p:cNvSpPr>
+          <p:nvPr>
+            <p:extLst>
+              <p:ext uri="{386F3935-93C4-4BCD-93E2-E3B085C9AB24}">
+                <p16:designElem xmlns:p16="http://schemas.microsoft.com/office/powerpoint/2015/main" val="1"/>
+              </p:ext>
+            </p:extLst>
+          </p:nvPr>
+        </p:nvSpPr>
+        <p:spPr>
+          <a:xfrm>
+            <a:off x="0" y="0"/>
+            <a:ext cx="12192000" cy="6858000"/>
+          </a:xfrm>
+          <a:prstGeom prst="rect">
+            <a:avLst/>
+          </a:prstGeom>
+          <a:solidFill>
+            <a:schemeClr val="tx1"/>
+          </a:solidFill>
+          <a:ln w="12700" cap="flat" cmpd="sng" algn="ctr">
+            <a:noFill/>
+            <a:prstDash val="solid"/>
+            <a:miter lim="800000"/>
+          </a:ln>
+          <a:effectLst/>
+        </p:spPr>
+        <p:style>
+          <a:lnRef idx="2">
+            <a:schemeClr val="accent1">
+              <a:shade val="50000"/>
+            </a:schemeClr>
+          </a:lnRef>
+          <a:fillRef idx="1">
+            <a:schemeClr val="accent1"/>
+          </a:fillRef>
+          <a:effectRef idx="0">
+            <a:schemeClr val="accent1"/>
+          </a:effectRef>
+          <a:fontRef idx="minor">
+            <a:schemeClr val="lt1"/>
+          </a:fontRef>
+        </p:style>
+        <p:txBody>
+          <a:bodyPr rtlCol="0" anchor="ctr"/>
+          <a:lstStyle/>
+          <a:p>
+            <a:pPr algn="ctr"/>
+            <a:endParaRPr lang="en-US"/>
+          </a:p>
+        </p:txBody>
+      </p:sp>
+      <p:sp>
+        <p:nvSpPr>
+          <p:cNvPr id="2" name="Title 1">
+            <a:extLst>
+              <a:ext uri="{FF2B5EF4-FFF2-40B4-BE49-F238E27FC236}">
+                <a16:creationId xmlns:a16="http://schemas.microsoft.com/office/drawing/2014/main" id="{615214CA-33E7-E330-9355-91A88FE1E1FF}"/>
+              </a:ext>
+            </a:extLst>
+          </p:cNvPr>
+          <p:cNvSpPr>
+            <a:spLocks noGrp="1"/>
+          </p:cNvSpPr>
+          <p:nvPr>
+            <p:ph type="title"/>
+          </p:nvPr>
+        </p:nvSpPr>
+        <p:spPr>
+          <a:xfrm>
+            <a:off x="800100" y="957860"/>
+            <a:ext cx="6867926" cy="929897"/>
+          </a:xfrm>
+        </p:spPr>
+        <p:txBody>
+          <a:bodyPr vert="horz" lIns="91440" tIns="45720" rIns="91440" bIns="45720" rtlCol="0" anchor="b">
+            <a:normAutofit/>
+          </a:bodyPr>
+          <a:lstStyle/>
+          <a:p>
+            <a:r>
+              <a:rPr lang="en-US" sz="5400" dirty="0" err="1">
+                <a:solidFill>
+                  <a:schemeClr val="bg2"/>
+                </a:solidFill>
+              </a:rPr>
+              <a:t>Palheta</a:t>
+            </a:r>
+            <a:r>
+              <a:rPr lang="en-US" sz="5400" dirty="0">
+                <a:solidFill>
+                  <a:schemeClr val="bg2"/>
+                </a:solidFill>
+              </a:rPr>
+              <a:t> de cores</a:t>
+            </a:r>
+          </a:p>
+        </p:txBody>
+      </p:sp>
+      <p:cxnSp>
+        <p:nvCxnSpPr>
+          <p:cNvPr id="27" name="Straight Connector 26">
+            <a:extLst>
+              <a:ext uri="{FF2B5EF4-FFF2-40B4-BE49-F238E27FC236}">
+                <a16:creationId xmlns:a16="http://schemas.microsoft.com/office/drawing/2014/main" id="{9CA98CE3-81A7-4FFE-A047-9AA65998D877}"/>
+              </a:ext>
+              <a:ext uri="{C183D7F6-B498-43B3-948B-1728B52AA6E4}">
+                <adec:decorative xmlns:adec="http://schemas.microsoft.com/office/drawing/2017/decorative" val="1"/>
+              </a:ext>
+            </a:extLst>
+          </p:cNvPr>
+          <p:cNvCxnSpPr>
+            <a:cxnSpLocks noGrp="1" noRot="1" noChangeAspect="1" noMove="1" noResize="1" noEditPoints="1" noAdjustHandles="1" noChangeArrowheads="1" noChangeShapeType="1"/>
+          </p:cNvCxnSpPr>
+          <p:nvPr>
+            <p:extLst>
+              <p:ext uri="{386F3935-93C4-4BCD-93E2-E3B085C9AB24}">
+                <p16:designElem xmlns:p16="http://schemas.microsoft.com/office/powerpoint/2015/main" val="1"/>
+              </p:ext>
+            </p:extLst>
+          </p:nvPr>
+        </p:nvCxnSpPr>
+        <p:spPr>
+          <a:xfrm>
+            <a:off x="800100" y="723900"/>
+            <a:ext cx="10591800" cy="0"/>
+          </a:xfrm>
+          <a:prstGeom prst="line">
+            <a:avLst/>
+          </a:prstGeom>
+          <a:ln w="44450">
+            <a:solidFill>
+              <a:schemeClr val="bg2"/>
+            </a:solidFill>
+          </a:ln>
+        </p:spPr>
+        <p:style>
+          <a:lnRef idx="1">
+            <a:schemeClr val="accent1"/>
+          </a:lnRef>
+          <a:fillRef idx="0">
+            <a:schemeClr val="accent1"/>
+          </a:fillRef>
+          <a:effectRef idx="0">
+            <a:schemeClr val="accent1"/>
+          </a:effectRef>
+          <a:fontRef idx="minor">
+            <a:schemeClr val="tx1"/>
+          </a:fontRef>
+        </p:style>
+      </p:cxnSp>
+      <p:cxnSp>
+        <p:nvCxnSpPr>
+          <p:cNvPr id="29" name="Straight Connector 28">
+            <a:extLst>
+              <a:ext uri="{FF2B5EF4-FFF2-40B4-BE49-F238E27FC236}">
+                <a16:creationId xmlns:a16="http://schemas.microsoft.com/office/drawing/2014/main" id="{18D91C2B-BDB9-49BE-9C44-E0CFE597ABFE}"/>
+              </a:ext>
+              <a:ext uri="{C183D7F6-B498-43B3-948B-1728B52AA6E4}">
+                <adec:decorative xmlns:adec="http://schemas.microsoft.com/office/drawing/2017/decorative" val="1"/>
+              </a:ext>
+            </a:extLst>
+          </p:cNvPr>
+          <p:cNvCxnSpPr>
+            <a:cxnSpLocks noGrp="1" noRot="1" noChangeAspect="1" noMove="1" noResize="1" noEditPoints="1" noAdjustHandles="1" noChangeArrowheads="1" noChangeShapeType="1"/>
+          </p:cNvCxnSpPr>
+          <p:nvPr>
+            <p:extLst>
+              <p:ext uri="{386F3935-93C4-4BCD-93E2-E3B085C9AB24}">
+                <p16:designElem xmlns:p16="http://schemas.microsoft.com/office/powerpoint/2015/main" val="1"/>
+              </p:ext>
+            </p:extLst>
+          </p:nvPr>
+        </p:nvCxnSpPr>
+        <p:spPr>
+          <a:xfrm>
+            <a:off x="800100" y="6134100"/>
+            <a:ext cx="10591800" cy="0"/>
+          </a:xfrm>
+          <a:prstGeom prst="line">
+            <a:avLst/>
+          </a:prstGeom>
+          <a:ln w="12700">
+            <a:solidFill>
+              <a:schemeClr val="bg2"/>
+            </a:solidFill>
+          </a:ln>
+        </p:spPr>
+        <p:style>
+          <a:lnRef idx="1">
+            <a:schemeClr val="accent1"/>
+          </a:lnRef>
+          <a:fillRef idx="0">
+            <a:schemeClr val="accent1"/>
+          </a:fillRef>
+          <a:effectRef idx="0">
+            <a:schemeClr val="accent1"/>
+          </a:effectRef>
+          <a:fontRef idx="minor">
+            <a:schemeClr val="tx1"/>
+          </a:fontRef>
+        </p:style>
+      </p:cxnSp>
+      <p:sp>
+        <p:nvSpPr>
+          <p:cNvPr id="3" name="Retângulo 2">
+            <a:extLst>
+              <a:ext uri="{FF2B5EF4-FFF2-40B4-BE49-F238E27FC236}">
+                <a16:creationId xmlns:a16="http://schemas.microsoft.com/office/drawing/2014/main" id="{D54F8DD5-16C6-1DB9-E017-349194215F5D}"/>
+              </a:ext>
+            </a:extLst>
+          </p:cNvPr>
+          <p:cNvSpPr/>
+          <p:nvPr/>
+        </p:nvSpPr>
+        <p:spPr>
+          <a:xfrm>
+            <a:off x="916310" y="2031209"/>
+            <a:ext cx="1038387" cy="929897"/>
+          </a:xfrm>
+          <a:prstGeom prst="rect">
+            <a:avLst/>
+          </a:prstGeom>
+          <a:solidFill>
+            <a:srgbClr val="EC800E"/>
+          </a:solidFill>
+          <a:ln>
+            <a:noFill/>
+          </a:ln>
+        </p:spPr>
+        <p:style>
+          <a:lnRef idx="2">
+            <a:schemeClr val="accent1">
+              <a:shade val="50000"/>
+            </a:schemeClr>
+          </a:lnRef>
+          <a:fillRef idx="1">
+            <a:schemeClr val="accent1"/>
+          </a:fillRef>
+          <a:effectRef idx="0">
+            <a:schemeClr val="accent1"/>
+          </a:effectRef>
+          <a:fontRef idx="minor">
+            <a:schemeClr val="lt1"/>
+          </a:fontRef>
+        </p:style>
+        <p:txBody>
+          <a:bodyPr rtlCol="0" anchor="ctr"/>
+          <a:lstStyle/>
+          <a:p>
+            <a:pPr algn="ctr"/>
+            <a:endParaRPr lang="pt-BR"/>
+          </a:p>
+        </p:txBody>
+      </p:sp>
+      <p:sp>
+        <p:nvSpPr>
+          <p:cNvPr id="9" name="Retângulo 8">
+            <a:extLst>
+              <a:ext uri="{FF2B5EF4-FFF2-40B4-BE49-F238E27FC236}">
+                <a16:creationId xmlns:a16="http://schemas.microsoft.com/office/drawing/2014/main" id="{140C0923-E4B8-B9A4-FFD7-F1D4C1A4D84B}"/>
+              </a:ext>
+            </a:extLst>
+          </p:cNvPr>
+          <p:cNvSpPr/>
+          <p:nvPr/>
+        </p:nvSpPr>
+        <p:spPr>
+          <a:xfrm>
+            <a:off x="916310" y="3243178"/>
+            <a:ext cx="1038387" cy="929897"/>
+          </a:xfrm>
+          <a:prstGeom prst="rect">
+            <a:avLst/>
+          </a:prstGeom>
+          <a:solidFill>
+            <a:srgbClr val="1B2631"/>
+          </a:solidFill>
+          <a:ln>
+            <a:noFill/>
+          </a:ln>
+        </p:spPr>
+        <p:style>
+          <a:lnRef idx="2">
+            <a:schemeClr val="accent1">
+              <a:shade val="50000"/>
+            </a:schemeClr>
+          </a:lnRef>
+          <a:fillRef idx="1">
+            <a:schemeClr val="accent1"/>
+          </a:fillRef>
+          <a:effectRef idx="0">
+            <a:schemeClr val="accent1"/>
+          </a:effectRef>
+          <a:fontRef idx="minor">
+            <a:schemeClr val="lt1"/>
+          </a:fontRef>
+        </p:style>
+        <p:txBody>
+          <a:bodyPr rtlCol="0" anchor="ctr"/>
+          <a:lstStyle/>
+          <a:p>
+            <a:pPr algn="ctr"/>
+            <a:endParaRPr lang="pt-BR"/>
+          </a:p>
+        </p:txBody>
+      </p:sp>
+      <p:sp>
+        <p:nvSpPr>
+          <p:cNvPr id="10" name="Retângulo 9">
+            <a:extLst>
+              <a:ext uri="{FF2B5EF4-FFF2-40B4-BE49-F238E27FC236}">
+                <a16:creationId xmlns:a16="http://schemas.microsoft.com/office/drawing/2014/main" id="{B3D973B0-EBA9-9767-7BB6-651C7EA1F770}"/>
+              </a:ext>
+            </a:extLst>
+          </p:cNvPr>
+          <p:cNvSpPr/>
+          <p:nvPr/>
+        </p:nvSpPr>
+        <p:spPr>
+          <a:xfrm>
+            <a:off x="916310" y="4497666"/>
+            <a:ext cx="1038387" cy="929897"/>
+          </a:xfrm>
+          <a:prstGeom prst="rect">
+            <a:avLst/>
+          </a:prstGeom>
+          <a:solidFill>
+            <a:srgbClr val="5A0002"/>
+          </a:solidFill>
+          <a:ln>
+            <a:noFill/>
+          </a:ln>
+        </p:spPr>
+        <p:style>
+          <a:lnRef idx="2">
+            <a:schemeClr val="accent1">
+              <a:shade val="50000"/>
+            </a:schemeClr>
+          </a:lnRef>
+          <a:fillRef idx="1">
+            <a:schemeClr val="accent1"/>
+          </a:fillRef>
+          <a:effectRef idx="0">
+            <a:schemeClr val="accent1"/>
+          </a:effectRef>
+          <a:fontRef idx="minor">
+            <a:schemeClr val="lt1"/>
+          </a:fontRef>
+        </p:style>
+        <p:txBody>
+          <a:bodyPr rtlCol="0" anchor="ctr"/>
+          <a:lstStyle/>
+          <a:p>
+            <a:pPr algn="ctr"/>
+            <a:endParaRPr lang="pt-BR"/>
+          </a:p>
+        </p:txBody>
+      </p:sp>
+      <p:sp>
+        <p:nvSpPr>
+          <p:cNvPr id="11" name="Retângulo 10">
+            <a:extLst>
+              <a:ext uri="{FF2B5EF4-FFF2-40B4-BE49-F238E27FC236}">
+                <a16:creationId xmlns:a16="http://schemas.microsoft.com/office/drawing/2014/main" id="{673F18CB-087F-FBBB-5C25-88507EB7B473}"/>
+              </a:ext>
+            </a:extLst>
+          </p:cNvPr>
+          <p:cNvSpPr/>
+          <p:nvPr/>
+        </p:nvSpPr>
+        <p:spPr>
+          <a:xfrm>
+            <a:off x="7362721" y="2031208"/>
+            <a:ext cx="1038387" cy="929897"/>
+          </a:xfrm>
+          <a:prstGeom prst="rect">
+            <a:avLst/>
+          </a:prstGeom>
+          <a:solidFill>
+            <a:schemeClr val="bg2"/>
+          </a:solidFill>
+          <a:ln>
+            <a:noFill/>
+          </a:ln>
+        </p:spPr>
+        <p:style>
+          <a:lnRef idx="2">
+            <a:schemeClr val="accent1">
+              <a:shade val="50000"/>
+            </a:schemeClr>
+          </a:lnRef>
+          <a:fillRef idx="1">
+            <a:schemeClr val="accent1"/>
+          </a:fillRef>
+          <a:effectRef idx="0">
+            <a:schemeClr val="accent1"/>
+          </a:effectRef>
+          <a:fontRef idx="minor">
+            <a:schemeClr val="lt1"/>
+          </a:fontRef>
+        </p:style>
+        <p:txBody>
+          <a:bodyPr rtlCol="0" anchor="ctr"/>
+          <a:lstStyle/>
+          <a:p>
+            <a:pPr algn="ctr"/>
+            <a:endParaRPr lang="pt-BR"/>
+          </a:p>
+        </p:txBody>
+      </p:sp>
+      <p:sp>
+        <p:nvSpPr>
+          <p:cNvPr id="14" name="Title 1">
+            <a:extLst>
+              <a:ext uri="{FF2B5EF4-FFF2-40B4-BE49-F238E27FC236}">
+                <a16:creationId xmlns:a16="http://schemas.microsoft.com/office/drawing/2014/main" id="{3E6C4D3E-AB2E-3320-45B9-76A26E1F9AEC}"/>
+              </a:ext>
+            </a:extLst>
+          </p:cNvPr>
+          <p:cNvSpPr txBox="1">
+            <a:spLocks/>
+          </p:cNvSpPr>
+          <p:nvPr/>
+        </p:nvSpPr>
+        <p:spPr>
+          <a:xfrm>
+            <a:off x="2078476" y="2170452"/>
+            <a:ext cx="2986705" cy="681506"/>
+          </a:xfrm>
+          <a:prstGeom prst="rect">
+            <a:avLst/>
+          </a:prstGeom>
+        </p:spPr>
+        <p:txBody>
+          <a:bodyPr vert="horz" lIns="91440" tIns="45720" rIns="91440" bIns="45720" rtlCol="0" anchor="b">
+            <a:noAutofit/>
+          </a:bodyPr>
+          <a:lstStyle>
+            <a:lvl1pPr algn="l" defTabSz="914400" rtl="0" eaLnBrk="1" latinLnBrk="0" hangingPunct="1">
+              <a:lnSpc>
+                <a:spcPct val="100000"/>
+              </a:lnSpc>
+              <a:spcBef>
+                <a:spcPct val="0"/>
+              </a:spcBef>
+              <a:buNone/>
+              <a:defRPr sz="4000" kern="1200" cap="all" spc="30" baseline="0">
+                <a:solidFill>
+                  <a:schemeClr val="tx1"/>
+                </a:solidFill>
+                <a:latin typeface="+mj-lt"/>
+                <a:ea typeface="+mj-ea"/>
+                <a:cs typeface="+mj-cs"/>
+              </a:defRPr>
+            </a:lvl1pPr>
+          </a:lstStyle>
+          <a:p>
+            <a:r>
+              <a:rPr lang="en-US" sz="4800" dirty="0">
+                <a:solidFill>
+                  <a:schemeClr val="bg2"/>
+                </a:solidFill>
+              </a:rPr>
+              <a:t>#EC800e</a:t>
+            </a:r>
+          </a:p>
+        </p:txBody>
+      </p:sp>
+      <p:sp>
+        <p:nvSpPr>
+          <p:cNvPr id="16" name="Title 1">
+            <a:extLst>
+              <a:ext uri="{FF2B5EF4-FFF2-40B4-BE49-F238E27FC236}">
+                <a16:creationId xmlns:a16="http://schemas.microsoft.com/office/drawing/2014/main" id="{0D839A0A-E0D5-9193-8DB9-C1637CA5B6D2}"/>
+              </a:ext>
+            </a:extLst>
+          </p:cNvPr>
+          <p:cNvSpPr txBox="1">
+            <a:spLocks/>
+          </p:cNvSpPr>
+          <p:nvPr/>
+        </p:nvSpPr>
+        <p:spPr>
+          <a:xfrm>
+            <a:off x="2078477" y="3222830"/>
+            <a:ext cx="2986704" cy="912421"/>
+          </a:xfrm>
+          <a:prstGeom prst="rect">
+            <a:avLst/>
+          </a:prstGeom>
+        </p:spPr>
+        <p:txBody>
+          <a:bodyPr vert="horz" lIns="91440" tIns="45720" rIns="91440" bIns="45720" rtlCol="0" anchor="b">
+            <a:noAutofit/>
+          </a:bodyPr>
+          <a:lstStyle>
+            <a:lvl1pPr algn="l" defTabSz="914400" rtl="0" eaLnBrk="1" latinLnBrk="0" hangingPunct="1">
+              <a:lnSpc>
+                <a:spcPct val="100000"/>
+              </a:lnSpc>
+              <a:spcBef>
+                <a:spcPct val="0"/>
+              </a:spcBef>
+              <a:buNone/>
+              <a:defRPr sz="4000" kern="1200" cap="all" spc="30" baseline="0">
+                <a:solidFill>
+                  <a:schemeClr val="tx1"/>
+                </a:solidFill>
+                <a:latin typeface="+mj-lt"/>
+                <a:ea typeface="+mj-ea"/>
+                <a:cs typeface="+mj-cs"/>
+              </a:defRPr>
+            </a:lvl1pPr>
+          </a:lstStyle>
+          <a:p>
+            <a:r>
+              <a:rPr lang="en-US" sz="4800" dirty="0">
+                <a:solidFill>
+                  <a:schemeClr val="bg2"/>
+                </a:solidFill>
+              </a:rPr>
+              <a:t>#1B2631</a:t>
+            </a:r>
+          </a:p>
+        </p:txBody>
+      </p:sp>
+      <p:sp>
+        <p:nvSpPr>
+          <p:cNvPr id="18" name="CaixaDeTexto 17">
+            <a:extLst>
+              <a:ext uri="{FF2B5EF4-FFF2-40B4-BE49-F238E27FC236}">
+                <a16:creationId xmlns:a16="http://schemas.microsoft.com/office/drawing/2014/main" id="{20C3812B-FB97-0BFA-CB3D-BFE3A02D045E}"/>
+              </a:ext>
+            </a:extLst>
+          </p:cNvPr>
+          <p:cNvSpPr txBox="1"/>
+          <p:nvPr/>
+        </p:nvSpPr>
+        <p:spPr>
+          <a:xfrm>
+            <a:off x="2078476" y="4497666"/>
+            <a:ext cx="3214235" cy="830997"/>
+          </a:xfrm>
+          <a:prstGeom prst="rect">
+            <a:avLst/>
+          </a:prstGeom>
+          <a:noFill/>
+        </p:spPr>
+        <p:txBody>
+          <a:bodyPr wrap="square">
+            <a:spAutoFit/>
+          </a:bodyPr>
+          <a:lstStyle/>
+          <a:p>
+            <a:r>
+              <a:rPr lang="en-US" sz="4800" dirty="0">
+                <a:solidFill>
+                  <a:schemeClr val="bg2"/>
+                </a:solidFill>
+                <a:latin typeface="+mj-lt"/>
+              </a:rPr>
+              <a:t>#5A0002</a:t>
+            </a:r>
+            <a:endParaRPr lang="pt-BR" sz="4800" dirty="0">
+              <a:latin typeface="+mj-lt"/>
+            </a:endParaRPr>
+          </a:p>
+        </p:txBody>
+      </p:sp>
+      <p:sp>
+        <p:nvSpPr>
+          <p:cNvPr id="20" name="CaixaDeTexto 19">
+            <a:extLst>
+              <a:ext uri="{FF2B5EF4-FFF2-40B4-BE49-F238E27FC236}">
+                <a16:creationId xmlns:a16="http://schemas.microsoft.com/office/drawing/2014/main" id="{C3898BFF-6898-3C03-F82B-B541F0520783}"/>
+              </a:ext>
+            </a:extLst>
+          </p:cNvPr>
+          <p:cNvSpPr txBox="1"/>
+          <p:nvPr/>
+        </p:nvSpPr>
+        <p:spPr>
+          <a:xfrm>
+            <a:off x="8558407" y="2031208"/>
+            <a:ext cx="2986704" cy="830997"/>
+          </a:xfrm>
+          <a:prstGeom prst="rect">
+            <a:avLst/>
+          </a:prstGeom>
+          <a:noFill/>
+        </p:spPr>
+        <p:txBody>
+          <a:bodyPr wrap="square">
+            <a:spAutoFit/>
+          </a:bodyPr>
+          <a:lstStyle/>
+          <a:p>
+            <a:r>
+              <a:rPr lang="en-US" sz="4800" dirty="0">
+                <a:solidFill>
+                  <a:schemeClr val="bg2"/>
+                </a:solidFill>
+              </a:rPr>
+              <a:t>#FFFFFF</a:t>
+            </a:r>
+            <a:endParaRPr lang="pt-BR" sz="4800" dirty="0"/>
+          </a:p>
+        </p:txBody>
+      </p:sp>
+    </p:spTree>
+    <p:extLst>
+      <p:ext uri="{BB962C8B-B14F-4D97-AF65-F5344CB8AC3E}">
+        <p14:creationId xmlns:p14="http://schemas.microsoft.com/office/powerpoint/2010/main" val="3082840767"/>
+      </p:ext>
+    </p:extLst>
+  </p:cSld>
+  <p:clrMapOvr>
+    <a:masterClrMapping/>
+  </p:clrMapOvr>
+</p:sld>
+</file>
+
+<file path=ppt/slides/slide7.xml><?xml version="1.0" encoding="utf-8"?>
+<p:sld xmlns:a="http://schemas.openxmlformats.org/drawingml/2006/main" xmlns:r="http://schemas.openxmlformats.org/officeDocument/2006/relationships" xmlns:p="http://schemas.openxmlformats.org/presentationml/2006/main">
+  <p:cSld>
+    <p:bg>
+      <p:bgPr>
+        <a:solidFill>
+          <a:schemeClr val="bg1"/>
+        </a:solidFill>
+        <a:effectLst/>
+      </p:bgPr>
+    </p:bg>
+    <p:spTree>
+      <p:nvGrpSpPr>
+        <p:cNvPr id="1" name=""/>
+        <p:cNvGrpSpPr/>
+        <p:nvPr/>
+      </p:nvGrpSpPr>
+      <p:grpSpPr>
+        <a:xfrm>
+          <a:off x="0" y="0"/>
+          <a:ext cx="0" cy="0"/>
+          <a:chOff x="0" y="0"/>
+          <a:chExt cx="0" cy="0"/>
+        </a:xfrm>
+      </p:grpSpPr>
+      <p:cxnSp>
+        <p:nvCxnSpPr>
+          <p:cNvPr id="58" name="Straight Connector 57">
+            <a:extLst>
+              <a:ext uri="{FF2B5EF4-FFF2-40B4-BE49-F238E27FC236}">
+                <a16:creationId xmlns:a16="http://schemas.microsoft.com/office/drawing/2014/main" id="{F64F9B95-9045-48D2-B9F3-2927E98F54AA}"/>
+              </a:ext>
+              <a:ext uri="{C183D7F6-B498-43B3-948B-1728B52AA6E4}">
+                <adec:decorative xmlns:adec="http://schemas.microsoft.com/office/drawing/2017/decorative" val="1"/>
+              </a:ext>
+            </a:extLst>
+          </p:cNvPr>
+          <p:cNvCxnSpPr>
+            <a:cxnSpLocks noGrp="1" noRot="1" noChangeAspect="1" noMove="1" noResize="1" noEditPoints="1" noAdjustHandles="1" noChangeArrowheads="1" noChangeShapeType="1"/>
+          </p:cNvCxnSpPr>
+          <p:nvPr>
+            <p:extLst>
+              <p:ext uri="{386F3935-93C4-4BCD-93E2-E3B085C9AB24}">
+                <p16:designElem xmlns:p16="http://schemas.microsoft.com/office/powerpoint/2015/main" val="1"/>
+              </p:ext>
+            </p:extLst>
+          </p:nvPr>
+        </p:nvCxnSpPr>
+        <p:spPr>
+          <a:xfrm>
+            <a:off x="800100" y="723900"/>
+            <a:ext cx="10591800" cy="0"/>
+          </a:xfrm>
+          <a:prstGeom prst="line">
+            <a:avLst/>
+          </a:prstGeom>
+          <a:ln w="44450">
+            <a:solidFill>
+              <a:schemeClr val="tx1"/>
+            </a:solidFill>
+          </a:ln>
+        </p:spPr>
+        <p:style>
+          <a:lnRef idx="1">
+            <a:schemeClr val="accent1"/>
+          </a:lnRef>
+          <a:fillRef idx="0">
+            <a:schemeClr val="accent1"/>
+          </a:fillRef>
+          <a:effectRef idx="0">
+            <a:schemeClr val="accent1"/>
+          </a:effectRef>
+          <a:fontRef idx="minor">
+            <a:schemeClr val="tx1"/>
+          </a:fontRef>
+        </p:style>
+      </p:cxnSp>
+      <p:cxnSp>
+        <p:nvCxnSpPr>
+          <p:cNvPr id="60" name="Straight Connector 59">
+            <a:extLst>
+              <a:ext uri="{FF2B5EF4-FFF2-40B4-BE49-F238E27FC236}">
+                <a16:creationId xmlns:a16="http://schemas.microsoft.com/office/drawing/2014/main" id="{085AA86F-6A4D-4BCB-A045-D992CDC2959B}"/>
+              </a:ext>
+              <a:ext uri="{C183D7F6-B498-43B3-948B-1728B52AA6E4}">
+                <adec:decorative xmlns:adec="http://schemas.microsoft.com/office/drawing/2017/decorative" val="1"/>
+              </a:ext>
+            </a:extLst>
+          </p:cNvPr>
+          <p:cNvCxnSpPr>
+            <a:cxnSpLocks noGrp="1" noRot="1" noChangeAspect="1" noMove="1" noResize="1" noEditPoints="1" noAdjustHandles="1" noChangeArrowheads="1" noChangeShapeType="1"/>
+          </p:cNvCxnSpPr>
+          <p:nvPr>
+            <p:extLst>
+              <p:ext uri="{386F3935-93C4-4BCD-93E2-E3B085C9AB24}">
+                <p16:designElem xmlns:p16="http://schemas.microsoft.com/office/powerpoint/2015/main" val="1"/>
+              </p:ext>
+            </p:extLst>
+          </p:nvPr>
+        </p:nvCxnSpPr>
+        <p:spPr>
+          <a:xfrm>
+            <a:off x="800100" y="6142781"/>
+            <a:ext cx="10591800" cy="0"/>
+          </a:xfrm>
+          <a:prstGeom prst="line">
+            <a:avLst/>
+          </a:prstGeom>
+          <a:ln w="12700">
+            <a:solidFill>
+              <a:schemeClr val="tx1"/>
+            </a:solidFill>
+          </a:ln>
+        </p:spPr>
+        <p:style>
+          <a:lnRef idx="1">
+            <a:schemeClr val="accent1"/>
+          </a:lnRef>
+          <a:fillRef idx="0">
+            <a:schemeClr val="accent1"/>
+          </a:fillRef>
+          <a:effectRef idx="0">
+            <a:schemeClr val="accent1"/>
+          </a:effectRef>
+          <a:fontRef idx="minor">
+            <a:schemeClr val="tx1"/>
+          </a:fontRef>
+        </p:style>
+      </p:cxnSp>
+      <p:sp useBgFill="1">
+        <p:nvSpPr>
+          <p:cNvPr id="62" name="Rectangle 61">
+            <a:extLst>
+              <a:ext uri="{FF2B5EF4-FFF2-40B4-BE49-F238E27FC236}">
+                <a16:creationId xmlns:a16="http://schemas.microsoft.com/office/drawing/2014/main" id="{74ABF6B1-3A9A-4CEE-889E-0D96AB03A7D5}"/>
+              </a:ext>
+              <a:ext uri="{C183D7F6-B498-43B3-948B-1728B52AA6E4}">
+                <adec:decorative xmlns:adec="http://schemas.microsoft.com/office/drawing/2017/decorative" val="1"/>
+              </a:ext>
+            </a:extLst>
+          </p:cNvPr>
+          <p:cNvSpPr>
+            <a:spLocks noGrp="1" noRot="1" noChangeAspect="1" noMove="1" noResize="1" noEditPoints="1" noAdjustHandles="1" noChangeArrowheads="1" noChangeShapeType="1" noTextEdit="1"/>
+          </p:cNvSpPr>
+          <p:nvPr>
+            <p:extLst>
+              <p:ext uri="{386F3935-93C4-4BCD-93E2-E3B085C9AB24}">
+                <p16:designElem xmlns:p16="http://schemas.microsoft.com/office/powerpoint/2015/main" val="1"/>
+              </p:ext>
+            </p:extLst>
+          </p:nvPr>
+        </p:nvSpPr>
+        <p:spPr>
+          <a:xfrm>
+            <a:off x="0" y="0"/>
+            <a:ext cx="12192000" cy="6858000"/>
+          </a:xfrm>
+          <a:prstGeom prst="rect">
+            <a:avLst/>
+          </a:prstGeom>
+          <a:ln w="12700" cap="flat" cmpd="sng" algn="ctr">
+            <a:noFill/>
+            <a:prstDash val="solid"/>
+            <a:miter lim="800000"/>
+          </a:ln>
+          <a:effectLst/>
+          <a:extLst>
+            <a:ext uri="{91240B29-F687-4F45-9708-019B960494DF}">
+              <a14:hiddenLine xmlns:a14="http://schemas.microsoft.com/office/drawing/2010/main" w="12700" cap="flat" cmpd="sng" algn="ctr">
+                <a:solidFill>
+                  <a:schemeClr val="accent1">
+                    <a:shade val="50000"/>
+                  </a:schemeClr>
+                </a:solidFill>
+                <a:prstDash val="solid"/>
+                <a:miter lim="800000"/>
+              </a14:hiddenLine>
+            </a:ext>
+          </a:extLst>
+        </p:spPr>
+        <p:style>
+          <a:lnRef idx="2">
+            <a:schemeClr val="accent1">
+              <a:shade val="50000"/>
+            </a:schemeClr>
+          </a:lnRef>
+          <a:fillRef idx="1">
+            <a:schemeClr val="accent1"/>
+          </a:fillRef>
+          <a:effectRef idx="0">
+            <a:schemeClr val="accent1"/>
+          </a:effectRef>
+          <a:fontRef idx="minor">
+            <a:schemeClr val="lt1"/>
+          </a:fontRef>
+        </p:style>
+        <p:txBody>
+          <a:bodyPr rtlCol="0" anchor="ctr"/>
+          <a:lstStyle/>
+          <a:p>
+            <a:pPr algn="ctr"/>
+            <a:endParaRPr lang="en-US"/>
+          </a:p>
+        </p:txBody>
+      </p:sp>
+      <p:sp>
+        <p:nvSpPr>
+          <p:cNvPr id="2" name="Title 1">
+            <a:extLst>
+              <a:ext uri="{FF2B5EF4-FFF2-40B4-BE49-F238E27FC236}">
+                <a16:creationId xmlns:a16="http://schemas.microsoft.com/office/drawing/2014/main" id="{615214CA-33E7-E330-9355-91A88FE1E1FF}"/>
+              </a:ext>
+            </a:extLst>
+          </p:cNvPr>
+          <p:cNvSpPr>
+            <a:spLocks noGrp="1"/>
+          </p:cNvSpPr>
+          <p:nvPr>
+            <p:ph type="title"/>
+          </p:nvPr>
+        </p:nvSpPr>
+        <p:spPr>
+          <a:xfrm>
+            <a:off x="695325" y="870597"/>
+            <a:ext cx="10848975" cy="1100559"/>
+          </a:xfrm>
+        </p:spPr>
+        <p:txBody>
+          <a:bodyPr vert="horz" lIns="91440" tIns="45720" rIns="91440" bIns="45720" rtlCol="0" anchor="t">
+            <a:normAutofit/>
+          </a:bodyPr>
+          <a:lstStyle/>
+          <a:p>
+            <a:r>
+              <a:rPr lang="en-US" sz="5400"/>
+              <a:t>Icones utilizados</a:t>
+            </a:r>
+          </a:p>
+        </p:txBody>
+      </p:sp>
+      <p:cxnSp>
+        <p:nvCxnSpPr>
+          <p:cNvPr id="64" name="Straight Connector 63">
+            <a:extLst>
+              <a:ext uri="{FF2B5EF4-FFF2-40B4-BE49-F238E27FC236}">
+                <a16:creationId xmlns:a16="http://schemas.microsoft.com/office/drawing/2014/main" id="{611CC0C8-C714-4135-84E8-4BC5A83F1A53}"/>
+              </a:ext>
+              <a:ext uri="{C183D7F6-B498-43B3-948B-1728B52AA6E4}">
+                <adec:decorative xmlns:adec="http://schemas.microsoft.com/office/drawing/2017/decorative" val="1"/>
+              </a:ext>
+            </a:extLst>
+          </p:cNvPr>
+          <p:cNvCxnSpPr>
+            <a:cxnSpLocks noGrp="1" noRot="1" noChangeAspect="1" noMove="1" noResize="1" noEditPoints="1" noAdjustHandles="1" noChangeArrowheads="1" noChangeShapeType="1"/>
+          </p:cNvCxnSpPr>
+          <p:nvPr>
+            <p:extLst>
+              <p:ext uri="{386F3935-93C4-4BCD-93E2-E3B085C9AB24}">
+                <p16:designElem xmlns:p16="http://schemas.microsoft.com/office/powerpoint/2015/main" val="1"/>
+              </p:ext>
+            </p:extLst>
+          </p:nvPr>
+        </p:nvCxnSpPr>
+        <p:spPr>
+          <a:xfrm>
+            <a:off x="800100" y="723900"/>
+            <a:ext cx="10591800" cy="0"/>
+          </a:xfrm>
+          <a:prstGeom prst="line">
+            <a:avLst/>
+          </a:prstGeom>
+          <a:ln w="44450">
+            <a:solidFill>
+              <a:schemeClr val="tx1"/>
+            </a:solidFill>
+          </a:ln>
+        </p:spPr>
+        <p:style>
+          <a:lnRef idx="1">
+            <a:schemeClr val="accent1"/>
+          </a:lnRef>
+          <a:fillRef idx="0">
+            <a:schemeClr val="accent1"/>
+          </a:fillRef>
+          <a:effectRef idx="0">
+            <a:schemeClr val="accent1"/>
+          </a:effectRef>
+          <a:fontRef idx="minor">
+            <a:schemeClr val="tx1"/>
+          </a:fontRef>
+        </p:style>
+      </p:cxnSp>
+      <p:pic>
+        <p:nvPicPr>
+          <p:cNvPr id="12" name="Imagem 11" descr="Uma imagem contendo Seta&#10;&#10;Descrição gerada automaticamente">
+            <a:extLst>
+              <a:ext uri="{FF2B5EF4-FFF2-40B4-BE49-F238E27FC236}">
+                <a16:creationId xmlns:a16="http://schemas.microsoft.com/office/drawing/2014/main" id="{787E08C1-4A55-743C-D1C0-A42C8E1F9ADA}"/>
+              </a:ext>
+            </a:extLst>
+          </p:cNvPr>
+          <p:cNvPicPr>
+            <a:picLocks noChangeAspect="1"/>
+          </p:cNvPicPr>
+          <p:nvPr/>
+        </p:nvPicPr>
+        <p:blipFill>
+          <a:blip r:embed="rId2"/>
+          <a:stretch>
+            <a:fillRect/>
+          </a:stretch>
+        </p:blipFill>
+        <p:spPr>
+          <a:xfrm>
+            <a:off x="1064881" y="3048000"/>
+            <a:ext cx="2752969" cy="2752969"/>
+          </a:xfrm>
+          <a:prstGeom prst="rect">
+            <a:avLst/>
+          </a:prstGeom>
+        </p:spPr>
+      </p:pic>
+      <p:pic>
+        <p:nvPicPr>
+          <p:cNvPr id="5" name="Imagem 4" descr="Uma imagem contendo peças de metal, mesa, corrente, pequeno&#10;&#10;Descrição gerada automaticamente">
+            <a:extLst>
+              <a:ext uri="{FF2B5EF4-FFF2-40B4-BE49-F238E27FC236}">
+                <a16:creationId xmlns:a16="http://schemas.microsoft.com/office/drawing/2014/main" id="{AFBA3EE1-DBBD-1EDE-AC25-060C8CB0D7B2}"/>
+              </a:ext>
+            </a:extLst>
+          </p:cNvPr>
+          <p:cNvPicPr>
+            <a:picLocks noChangeAspect="1"/>
+          </p:cNvPicPr>
+          <p:nvPr/>
+        </p:nvPicPr>
+        <p:blipFill rotWithShape="1">
+          <a:blip r:embed="rId3"/>
+          <a:srcRect r="2" b="6260"/>
+          <a:stretch/>
+        </p:blipFill>
+        <p:spPr>
+          <a:xfrm>
+            <a:off x="4627623" y="3038231"/>
+            <a:ext cx="2936754" cy="2752969"/>
+          </a:xfrm>
+          <a:prstGeom prst="rect">
+            <a:avLst/>
+          </a:prstGeom>
+        </p:spPr>
+      </p:pic>
+      <p:pic>
+        <p:nvPicPr>
+          <p:cNvPr id="7" name="Imagem 6" descr="Forma&#10;&#10;Descrição gerada automaticamente com confiança baixa">
+            <a:extLst>
+              <a:ext uri="{FF2B5EF4-FFF2-40B4-BE49-F238E27FC236}">
+                <a16:creationId xmlns:a16="http://schemas.microsoft.com/office/drawing/2014/main" id="{672FEEC4-A5E8-0D36-8F0B-BAD49839FF45}"/>
+              </a:ext>
+            </a:extLst>
+          </p:cNvPr>
+          <p:cNvPicPr>
+            <a:picLocks noChangeAspect="1"/>
+          </p:cNvPicPr>
+          <p:nvPr/>
+        </p:nvPicPr>
+        <p:blipFill>
+          <a:blip r:embed="rId4"/>
+          <a:stretch>
+            <a:fillRect/>
+          </a:stretch>
+        </p:blipFill>
+        <p:spPr>
+          <a:xfrm>
+            <a:off x="8385707" y="3048000"/>
+            <a:ext cx="2752969" cy="2752969"/>
+          </a:xfrm>
+          <a:prstGeom prst="rect">
+            <a:avLst/>
+          </a:prstGeom>
+        </p:spPr>
+      </p:pic>
+      <p:cxnSp>
+        <p:nvCxnSpPr>
+          <p:cNvPr id="66" name="Straight Connector 65">
+            <a:extLst>
+              <a:ext uri="{FF2B5EF4-FFF2-40B4-BE49-F238E27FC236}">
+                <a16:creationId xmlns:a16="http://schemas.microsoft.com/office/drawing/2014/main" id="{A0AFDA3D-3C0B-4E18-B444-F11410C378C9}"/>
+              </a:ext>
+              <a:ext uri="{C183D7F6-B498-43B3-948B-1728B52AA6E4}">
+                <adec:decorative xmlns:adec="http://schemas.microsoft.com/office/drawing/2017/decorative" val="1"/>
+              </a:ext>
+            </a:extLst>
+          </p:cNvPr>
+          <p:cNvCxnSpPr>
+            <a:cxnSpLocks noGrp="1" noRot="1" noChangeAspect="1" noMove="1" noResize="1" noEditPoints="1" noAdjustHandles="1" noChangeArrowheads="1" noChangeShapeType="1"/>
+          </p:cNvCxnSpPr>
+          <p:nvPr>
+            <p:extLst>
+              <p:ext uri="{386F3935-93C4-4BCD-93E2-E3B085C9AB24}">
+                <p16:designElem xmlns:p16="http://schemas.microsoft.com/office/powerpoint/2015/main" val="1"/>
+              </p:ext>
+            </p:extLst>
+          </p:nvPr>
+        </p:nvCxnSpPr>
+        <p:spPr>
+          <a:xfrm>
+            <a:off x="800100" y="6142781"/>
+            <a:ext cx="10591800" cy="0"/>
+          </a:xfrm>
+          <a:prstGeom prst="line">
+            <a:avLst/>
+          </a:prstGeom>
+          <a:ln w="12700">
+            <a:solidFill>
+              <a:schemeClr val="tx1"/>
+            </a:solidFill>
+          </a:ln>
+        </p:spPr>
+        <p:style>
+          <a:lnRef idx="1">
+            <a:schemeClr val="accent1"/>
+          </a:lnRef>
+          <a:fillRef idx="0">
+            <a:schemeClr val="accent1"/>
+          </a:fillRef>
+          <a:effectRef idx="0">
+            <a:schemeClr val="accent1"/>
+          </a:effectRef>
+          <a:fontRef idx="minor">
+            <a:schemeClr val="tx1"/>
+          </a:fontRef>
+        </p:style>
+      </p:cxnSp>
+      <p:sp>
+        <p:nvSpPr>
+          <p:cNvPr id="14" name="Title 1">
+            <a:extLst>
+              <a:ext uri="{FF2B5EF4-FFF2-40B4-BE49-F238E27FC236}">
+                <a16:creationId xmlns:a16="http://schemas.microsoft.com/office/drawing/2014/main" id="{3E6C4D3E-AB2E-3320-45B9-76A26E1F9AEC}"/>
+              </a:ext>
+            </a:extLst>
+          </p:cNvPr>
+          <p:cNvSpPr txBox="1">
+            <a:spLocks/>
+          </p:cNvSpPr>
+          <p:nvPr/>
+        </p:nvSpPr>
+        <p:spPr>
+          <a:xfrm>
+            <a:off x="2078476" y="2170452"/>
+            <a:ext cx="2986705" cy="681506"/>
+          </a:xfrm>
+          <a:prstGeom prst="rect">
+            <a:avLst/>
+          </a:prstGeom>
+        </p:spPr>
+        <p:txBody>
+          <a:bodyPr vert="horz" lIns="91440" tIns="45720" rIns="91440" bIns="45720" rtlCol="0" anchor="b">
+            <a:noAutofit/>
+          </a:bodyPr>
+          <a:lstStyle>
+            <a:lvl1pPr algn="l" defTabSz="914400" rtl="0" eaLnBrk="1" latinLnBrk="0" hangingPunct="1">
+              <a:lnSpc>
+                <a:spcPct val="100000"/>
+              </a:lnSpc>
+              <a:spcBef>
+                <a:spcPct val="0"/>
+              </a:spcBef>
+              <a:buNone/>
+              <a:defRPr sz="4000" kern="1200" cap="all" spc="30" baseline="0">
+                <a:solidFill>
+                  <a:schemeClr val="tx1"/>
+                </a:solidFill>
+                <a:latin typeface="+mj-lt"/>
+                <a:ea typeface="+mj-ea"/>
+                <a:cs typeface="+mj-cs"/>
+              </a:defRPr>
+            </a:lvl1pPr>
+          </a:lstStyle>
+          <a:p>
+            <a:endParaRPr lang="en-US" sz="4800" dirty="0">
+              <a:solidFill>
+                <a:schemeClr val="bg2"/>
+              </a:solidFill>
+            </a:endParaRPr>
+          </a:p>
+        </p:txBody>
+      </p:sp>
+      <p:sp>
+        <p:nvSpPr>
+          <p:cNvPr id="16" name="Title 1">
+            <a:extLst>
+              <a:ext uri="{FF2B5EF4-FFF2-40B4-BE49-F238E27FC236}">
+                <a16:creationId xmlns:a16="http://schemas.microsoft.com/office/drawing/2014/main" id="{0D839A0A-E0D5-9193-8DB9-C1637CA5B6D2}"/>
+              </a:ext>
+            </a:extLst>
+          </p:cNvPr>
+          <p:cNvSpPr txBox="1">
+            <a:spLocks/>
+          </p:cNvSpPr>
+          <p:nvPr/>
+        </p:nvSpPr>
+        <p:spPr>
+          <a:xfrm>
+            <a:off x="2078477" y="3222830"/>
+            <a:ext cx="2986704" cy="912421"/>
+          </a:xfrm>
+          <a:prstGeom prst="rect">
+            <a:avLst/>
+          </a:prstGeom>
+        </p:spPr>
+        <p:txBody>
+          <a:bodyPr vert="horz" lIns="91440" tIns="45720" rIns="91440" bIns="45720" rtlCol="0" anchor="b">
+            <a:noAutofit/>
+          </a:bodyPr>
+          <a:lstStyle>
+            <a:lvl1pPr algn="l" defTabSz="914400" rtl="0" eaLnBrk="1" latinLnBrk="0" hangingPunct="1">
+              <a:lnSpc>
+                <a:spcPct val="100000"/>
+              </a:lnSpc>
+              <a:spcBef>
+                <a:spcPct val="0"/>
+              </a:spcBef>
+              <a:buNone/>
+              <a:defRPr sz="4000" kern="1200" cap="all" spc="30" baseline="0">
+                <a:solidFill>
+                  <a:schemeClr val="tx1"/>
+                </a:solidFill>
+                <a:latin typeface="+mj-lt"/>
+                <a:ea typeface="+mj-ea"/>
+                <a:cs typeface="+mj-cs"/>
+              </a:defRPr>
+            </a:lvl1pPr>
+          </a:lstStyle>
+          <a:p>
+            <a:endParaRPr lang="en-US" sz="4800" dirty="0">
+              <a:solidFill>
+                <a:schemeClr val="bg2"/>
+              </a:solidFill>
+            </a:endParaRPr>
+          </a:p>
+        </p:txBody>
+      </p:sp>
+    </p:spTree>
+    <p:extLst>
+      <p:ext uri="{BB962C8B-B14F-4D97-AF65-F5344CB8AC3E}">
+        <p14:creationId xmlns:p14="http://schemas.microsoft.com/office/powerpoint/2010/main" val="3900984582"/>
+      </p:ext>
+    </p:extLst>
+  </p:cSld>
+  <p:clrMapOvr>
+    <a:masterClrMapping/>
+  </p:clrMapOvr>
+  <p:timing>
+    <p:tnLst>
+      <p:par>
+        <p:cTn id="1" dur="indefinite" restart="never" nodeType="tmRoot">
+          <p:childTnLst>
+            <p:seq concurrent="1" nextAc="seek">
+              <p:cTn id="2" dur="indefinite" nodeType="mainSeq">
+                <p:childTnLst>
+                  <p:par>
+                    <p:cTn id="3" fill="hold">
+                      <p:stCondLst>
+                        <p:cond delay="indefinite"/>
+                        <p:cond evt="onBegin" delay="0">
+                          <p:tn val="2"/>
+                        </p:cond>
+                      </p:stCondLst>
+                      <p:childTnLst>
+                        <p:par>
+                          <p:cTn id="4" fill="hold">
+                            <p:stCondLst>
+                              <p:cond delay="0"/>
+                            </p:stCondLst>
+                            <p:childTnLst>
+                              <p:par>
+                                <p:cTn id="5" presetID="10" presetClass="entr" presetSubtype="0" fill="hold" grpId="0" nodeType="withEffect">
+                                  <p:stCondLst>
+                                    <p:cond delay="1000"/>
+                                  </p:stCondLst>
+                                  <p:iterate>
+                                    <p:tmPct val="10000"/>
+                                  </p:iterate>
+                                  <p:childTnLst>
+                                    <p:set>
+                                      <p:cBhvr>
+                                        <p:cTn id="6" dur="1" fill="hold">
+                                          <p:stCondLst>
+                                            <p:cond delay="0"/>
+                                          </p:stCondLst>
+                                        </p:cTn>
+                                        <p:tgtEl>
+                                          <p:spTgt spid="2"/>
+                                        </p:tgtEl>
+                                        <p:attrNameLst>
+                                          <p:attrName>style.visibility</p:attrName>
+                                        </p:attrNameLst>
+                                      </p:cBhvr>
+                                      <p:to>
+                                        <p:strVal val="visible"/>
+                                      </p:to>
+                                    </p:set>
+                                    <p:animEffect transition="in" filter="fade">
+                                      <p:cBhvr>
+                                        <p:cTn id="7" dur="700"/>
+                                        <p:tgtEl>
+                                          <p:spTgt spid="2"/>
+                                        </p:tgtEl>
+                                      </p:cBhvr>
+                                    </p:animEffect>
+                                  </p:childTnLst>
+                                </p:cTn>
+                              </p:par>
+                            </p:childTnLst>
+                          </p:cTn>
+                        </p:par>
+                      </p:childTnLst>
+                    </p:cTn>
+                  </p:par>
+                </p:childTnLst>
+              </p:cTn>
+              <p:prevCondLst>
+                <p:cond evt="onPrev" delay="0">
+                  <p:tgtEl>
+                    <p:sldTgt/>
+                  </p:tgtEl>
+                </p:cond>
+              </p:prevCondLst>
+              <p:nextCondLst>
+                <p:cond evt="onNext" delay="0">
+                  <p:tgtEl>
+                    <p:sldTgt/>
+                  </p:tgtEl>
+                </p:cond>
+              </p:nextCondLst>
+            </p:seq>
+          </p:childTnLst>
+        </p:cTn>
+      </p:par>
+    </p:tnLst>
+    <p:bldLst>
+      <p:bldP spid="2" grpId="0"/>
+    </p:bldLst>
+  </p:timing>
+</p:sld>
+</file>
+
+<file path=ppt/slides/slide8.xml><?xml version="1.0" encoding="utf-8"?>
 <p:sld xmlns:a="http://schemas.openxmlformats.org/drawingml/2006/main" xmlns:r="http://schemas.openxmlformats.org/officeDocument/2006/relationships" xmlns:p="http://schemas.openxmlformats.org/presentationml/2006/main">
   <p:cSld>
     <p:bg>

--- a/T.I/Lost Music.pptx
+++ b/T.I/Lost Music.pptx
@@ -5,10 +5,10 @@
     <p:sldMasterId id="2147483814" r:id="rId1"/>
   </p:sldMasterIdLst>
   <p:notesMasterIdLst>
-    <p:notesMasterId r:id="rId10"/>
+    <p:notesMasterId r:id="rId11"/>
   </p:notesMasterIdLst>
   <p:handoutMasterIdLst>
-    <p:handoutMasterId r:id="rId11"/>
+    <p:handoutMasterId r:id="rId12"/>
   </p:handoutMasterIdLst>
   <p:sldIdLst>
     <p:sldId id="256" r:id="rId2"/>
@@ -16,9 +16,10 @@
     <p:sldId id="258" r:id="rId4"/>
     <p:sldId id="259" r:id="rId5"/>
     <p:sldId id="260" r:id="rId6"/>
-    <p:sldId id="262" r:id="rId7"/>
-    <p:sldId id="263" r:id="rId8"/>
-    <p:sldId id="261" r:id="rId9"/>
+    <p:sldId id="264" r:id="rId7"/>
+    <p:sldId id="262" r:id="rId8"/>
+    <p:sldId id="263" r:id="rId9"/>
+    <p:sldId id="261" r:id="rId10"/>
   </p:sldIdLst>
   <p:sldSz cx="12192000" cy="6858000"/>
   <p:notesSz cx="6858000" cy="9144000"/>
@@ -6326,7 +6327,7 @@
       </p:grpSpPr>
       <p:cxnSp>
         <p:nvCxnSpPr>
-          <p:cNvPr id="21" name="Straight Connector 20">
+          <p:cNvPr id="34" name="Straight Connector 33">
             <a:extLst>
               <a:ext uri="{FF2B5EF4-FFF2-40B4-BE49-F238E27FC236}">
                 <a16:creationId xmlns:a16="http://schemas.microsoft.com/office/drawing/2014/main" id="{F64F9B95-9045-48D2-B9F3-2927E98F54AA}"/>
@@ -6378,7 +6379,7 @@
       </p:cxnSp>
       <p:cxnSp>
         <p:nvCxnSpPr>
-          <p:cNvPr id="23" name="Straight Connector 22">
+          <p:cNvPr id="36" name="Straight Connector 35">
             <a:extLst>
               <a:ext uri="{FF2B5EF4-FFF2-40B4-BE49-F238E27FC236}">
                 <a16:creationId xmlns:a16="http://schemas.microsoft.com/office/drawing/2014/main" id="{085AA86F-6A4D-4BCB-A045-D992CDC2959B}"/>
@@ -6428,778 +6429,12 @@
           </a:fontRef>
         </p:style>
       </p:cxnSp>
-      <p:sp>
-        <p:nvSpPr>
-          <p:cNvPr id="25" name="Rectangle 24">
-            <a:extLst>
-              <a:ext uri="{FF2B5EF4-FFF2-40B4-BE49-F238E27FC236}">
-                <a16:creationId xmlns:a16="http://schemas.microsoft.com/office/drawing/2014/main" id="{DEF92653-5D6D-47E6-8744-0DAF76E049C4}"/>
-              </a:ext>
-              <a:ext uri="{C183D7F6-B498-43B3-948B-1728B52AA6E4}">
-                <adec:decorative xmlns:adec="http://schemas.microsoft.com/office/drawing/2017/decorative" val="1"/>
-              </a:ext>
-            </a:extLst>
-          </p:cNvPr>
-          <p:cNvSpPr>
-            <a:spLocks noGrp="1" noRot="1" noChangeAspect="1" noMove="1" noResize="1" noEditPoints="1" noAdjustHandles="1" noChangeArrowheads="1" noChangeShapeType="1" noTextEdit="1"/>
-          </p:cNvSpPr>
-          <p:nvPr>
-            <p:extLst>
-              <p:ext uri="{386F3935-93C4-4BCD-93E2-E3B085C9AB24}">
-                <p16:designElem xmlns:p16="http://schemas.microsoft.com/office/powerpoint/2015/main" val="1"/>
-              </p:ext>
-            </p:extLst>
-          </p:nvPr>
-        </p:nvSpPr>
-        <p:spPr>
-          <a:xfrm>
-            <a:off x="0" y="0"/>
-            <a:ext cx="12192000" cy="6858000"/>
-          </a:xfrm>
-          <a:prstGeom prst="rect">
-            <a:avLst/>
-          </a:prstGeom>
-          <a:solidFill>
-            <a:schemeClr val="tx1"/>
-          </a:solidFill>
-          <a:ln w="12700" cap="flat" cmpd="sng" algn="ctr">
-            <a:noFill/>
-            <a:prstDash val="solid"/>
-            <a:miter lim="800000"/>
-          </a:ln>
-          <a:effectLst/>
-        </p:spPr>
-        <p:style>
-          <a:lnRef idx="2">
-            <a:schemeClr val="accent1">
-              <a:shade val="50000"/>
-            </a:schemeClr>
-          </a:lnRef>
-          <a:fillRef idx="1">
-            <a:schemeClr val="accent1"/>
-          </a:fillRef>
-          <a:effectRef idx="0">
-            <a:schemeClr val="accent1"/>
-          </a:effectRef>
-          <a:fontRef idx="minor">
-            <a:schemeClr val="lt1"/>
-          </a:fontRef>
-        </p:style>
-        <p:txBody>
-          <a:bodyPr rtlCol="0" anchor="ctr"/>
-          <a:lstStyle/>
-          <a:p>
-            <a:pPr algn="ctr"/>
-            <a:endParaRPr lang="en-US"/>
-          </a:p>
-        </p:txBody>
-      </p:sp>
-      <p:sp>
-        <p:nvSpPr>
-          <p:cNvPr id="2" name="Title 1">
-            <a:extLst>
-              <a:ext uri="{FF2B5EF4-FFF2-40B4-BE49-F238E27FC236}">
-                <a16:creationId xmlns:a16="http://schemas.microsoft.com/office/drawing/2014/main" id="{615214CA-33E7-E330-9355-91A88FE1E1FF}"/>
-              </a:ext>
-            </a:extLst>
-          </p:cNvPr>
-          <p:cNvSpPr>
-            <a:spLocks noGrp="1"/>
-          </p:cNvSpPr>
-          <p:nvPr>
-            <p:ph type="title"/>
-          </p:nvPr>
-        </p:nvSpPr>
-        <p:spPr>
-          <a:xfrm>
-            <a:off x="800100" y="957860"/>
-            <a:ext cx="6867926" cy="929897"/>
-          </a:xfrm>
-        </p:spPr>
-        <p:txBody>
-          <a:bodyPr vert="horz" lIns="91440" tIns="45720" rIns="91440" bIns="45720" rtlCol="0" anchor="b">
-            <a:normAutofit/>
-          </a:bodyPr>
-          <a:lstStyle/>
-          <a:p>
-            <a:r>
-              <a:rPr lang="en-US" sz="5400" dirty="0" err="1">
-                <a:solidFill>
-                  <a:schemeClr val="bg2"/>
-                </a:solidFill>
-              </a:rPr>
-              <a:t>Palheta</a:t>
-            </a:r>
-            <a:r>
-              <a:rPr lang="en-US" sz="5400" dirty="0">
-                <a:solidFill>
-                  <a:schemeClr val="bg2"/>
-                </a:solidFill>
-              </a:rPr>
-              <a:t> de cores</a:t>
-            </a:r>
-          </a:p>
-        </p:txBody>
-      </p:sp>
-      <p:cxnSp>
-        <p:nvCxnSpPr>
-          <p:cNvPr id="27" name="Straight Connector 26">
-            <a:extLst>
-              <a:ext uri="{FF2B5EF4-FFF2-40B4-BE49-F238E27FC236}">
-                <a16:creationId xmlns:a16="http://schemas.microsoft.com/office/drawing/2014/main" id="{9CA98CE3-81A7-4FFE-A047-9AA65998D877}"/>
-              </a:ext>
-              <a:ext uri="{C183D7F6-B498-43B3-948B-1728B52AA6E4}">
-                <adec:decorative xmlns:adec="http://schemas.microsoft.com/office/drawing/2017/decorative" val="1"/>
-              </a:ext>
-            </a:extLst>
-          </p:cNvPr>
-          <p:cNvCxnSpPr>
-            <a:cxnSpLocks noGrp="1" noRot="1" noChangeAspect="1" noMove="1" noResize="1" noEditPoints="1" noAdjustHandles="1" noChangeArrowheads="1" noChangeShapeType="1"/>
-          </p:cNvCxnSpPr>
-          <p:nvPr>
-            <p:extLst>
-              <p:ext uri="{386F3935-93C4-4BCD-93E2-E3B085C9AB24}">
-                <p16:designElem xmlns:p16="http://schemas.microsoft.com/office/powerpoint/2015/main" val="1"/>
-              </p:ext>
-            </p:extLst>
-          </p:nvPr>
-        </p:nvCxnSpPr>
-        <p:spPr>
-          <a:xfrm>
-            <a:off x="800100" y="723900"/>
-            <a:ext cx="10591800" cy="0"/>
-          </a:xfrm>
-          <a:prstGeom prst="line">
-            <a:avLst/>
-          </a:prstGeom>
-          <a:ln w="44450">
-            <a:solidFill>
-              <a:schemeClr val="bg2"/>
-            </a:solidFill>
-          </a:ln>
-        </p:spPr>
-        <p:style>
-          <a:lnRef idx="1">
-            <a:schemeClr val="accent1"/>
-          </a:lnRef>
-          <a:fillRef idx="0">
-            <a:schemeClr val="accent1"/>
-          </a:fillRef>
-          <a:effectRef idx="0">
-            <a:schemeClr val="accent1"/>
-          </a:effectRef>
-          <a:fontRef idx="minor">
-            <a:schemeClr val="tx1"/>
-          </a:fontRef>
-        </p:style>
-      </p:cxnSp>
-      <p:cxnSp>
-        <p:nvCxnSpPr>
-          <p:cNvPr id="29" name="Straight Connector 28">
-            <a:extLst>
-              <a:ext uri="{FF2B5EF4-FFF2-40B4-BE49-F238E27FC236}">
-                <a16:creationId xmlns:a16="http://schemas.microsoft.com/office/drawing/2014/main" id="{18D91C2B-BDB9-49BE-9C44-E0CFE597ABFE}"/>
-              </a:ext>
-              <a:ext uri="{C183D7F6-B498-43B3-948B-1728B52AA6E4}">
-                <adec:decorative xmlns:adec="http://schemas.microsoft.com/office/drawing/2017/decorative" val="1"/>
-              </a:ext>
-            </a:extLst>
-          </p:cNvPr>
-          <p:cNvCxnSpPr>
-            <a:cxnSpLocks noGrp="1" noRot="1" noChangeAspect="1" noMove="1" noResize="1" noEditPoints="1" noAdjustHandles="1" noChangeArrowheads="1" noChangeShapeType="1"/>
-          </p:cNvCxnSpPr>
-          <p:nvPr>
-            <p:extLst>
-              <p:ext uri="{386F3935-93C4-4BCD-93E2-E3B085C9AB24}">
-                <p16:designElem xmlns:p16="http://schemas.microsoft.com/office/powerpoint/2015/main" val="1"/>
-              </p:ext>
-            </p:extLst>
-          </p:nvPr>
-        </p:nvCxnSpPr>
-        <p:spPr>
-          <a:xfrm>
-            <a:off x="800100" y="6134100"/>
-            <a:ext cx="10591800" cy="0"/>
-          </a:xfrm>
-          <a:prstGeom prst="line">
-            <a:avLst/>
-          </a:prstGeom>
-          <a:ln w="12700">
-            <a:solidFill>
-              <a:schemeClr val="bg2"/>
-            </a:solidFill>
-          </a:ln>
-        </p:spPr>
-        <p:style>
-          <a:lnRef idx="1">
-            <a:schemeClr val="accent1"/>
-          </a:lnRef>
-          <a:fillRef idx="0">
-            <a:schemeClr val="accent1"/>
-          </a:fillRef>
-          <a:effectRef idx="0">
-            <a:schemeClr val="accent1"/>
-          </a:effectRef>
-          <a:fontRef idx="minor">
-            <a:schemeClr val="tx1"/>
-          </a:fontRef>
-        </p:style>
-      </p:cxnSp>
-      <p:sp>
-        <p:nvSpPr>
-          <p:cNvPr id="3" name="Retângulo 2">
-            <a:extLst>
-              <a:ext uri="{FF2B5EF4-FFF2-40B4-BE49-F238E27FC236}">
-                <a16:creationId xmlns:a16="http://schemas.microsoft.com/office/drawing/2014/main" id="{D54F8DD5-16C6-1DB9-E017-349194215F5D}"/>
-              </a:ext>
-            </a:extLst>
-          </p:cNvPr>
-          <p:cNvSpPr/>
-          <p:nvPr/>
-        </p:nvSpPr>
-        <p:spPr>
-          <a:xfrm>
-            <a:off x="916310" y="2031209"/>
-            <a:ext cx="1038387" cy="929897"/>
-          </a:xfrm>
-          <a:prstGeom prst="rect">
-            <a:avLst/>
-          </a:prstGeom>
-          <a:solidFill>
-            <a:srgbClr val="EC800E"/>
-          </a:solidFill>
-          <a:ln>
-            <a:noFill/>
-          </a:ln>
-        </p:spPr>
-        <p:style>
-          <a:lnRef idx="2">
-            <a:schemeClr val="accent1">
-              <a:shade val="50000"/>
-            </a:schemeClr>
-          </a:lnRef>
-          <a:fillRef idx="1">
-            <a:schemeClr val="accent1"/>
-          </a:fillRef>
-          <a:effectRef idx="0">
-            <a:schemeClr val="accent1"/>
-          </a:effectRef>
-          <a:fontRef idx="minor">
-            <a:schemeClr val="lt1"/>
-          </a:fontRef>
-        </p:style>
-        <p:txBody>
-          <a:bodyPr rtlCol="0" anchor="ctr"/>
-          <a:lstStyle/>
-          <a:p>
-            <a:pPr algn="ctr"/>
-            <a:endParaRPr lang="pt-BR"/>
-          </a:p>
-        </p:txBody>
-      </p:sp>
-      <p:sp>
-        <p:nvSpPr>
-          <p:cNvPr id="9" name="Retângulo 8">
-            <a:extLst>
-              <a:ext uri="{FF2B5EF4-FFF2-40B4-BE49-F238E27FC236}">
-                <a16:creationId xmlns:a16="http://schemas.microsoft.com/office/drawing/2014/main" id="{140C0923-E4B8-B9A4-FFD7-F1D4C1A4D84B}"/>
-              </a:ext>
-            </a:extLst>
-          </p:cNvPr>
-          <p:cNvSpPr/>
-          <p:nvPr/>
-        </p:nvSpPr>
-        <p:spPr>
-          <a:xfrm>
-            <a:off x="916310" y="3243178"/>
-            <a:ext cx="1038387" cy="929897"/>
-          </a:xfrm>
-          <a:prstGeom prst="rect">
-            <a:avLst/>
-          </a:prstGeom>
-          <a:solidFill>
-            <a:srgbClr val="1B2631"/>
-          </a:solidFill>
-          <a:ln>
-            <a:noFill/>
-          </a:ln>
-        </p:spPr>
-        <p:style>
-          <a:lnRef idx="2">
-            <a:schemeClr val="accent1">
-              <a:shade val="50000"/>
-            </a:schemeClr>
-          </a:lnRef>
-          <a:fillRef idx="1">
-            <a:schemeClr val="accent1"/>
-          </a:fillRef>
-          <a:effectRef idx="0">
-            <a:schemeClr val="accent1"/>
-          </a:effectRef>
-          <a:fontRef idx="minor">
-            <a:schemeClr val="lt1"/>
-          </a:fontRef>
-        </p:style>
-        <p:txBody>
-          <a:bodyPr rtlCol="0" anchor="ctr"/>
-          <a:lstStyle/>
-          <a:p>
-            <a:pPr algn="ctr"/>
-            <a:endParaRPr lang="pt-BR"/>
-          </a:p>
-        </p:txBody>
-      </p:sp>
-      <p:sp>
-        <p:nvSpPr>
-          <p:cNvPr id="10" name="Retângulo 9">
-            <a:extLst>
-              <a:ext uri="{FF2B5EF4-FFF2-40B4-BE49-F238E27FC236}">
-                <a16:creationId xmlns:a16="http://schemas.microsoft.com/office/drawing/2014/main" id="{B3D973B0-EBA9-9767-7BB6-651C7EA1F770}"/>
-              </a:ext>
-            </a:extLst>
-          </p:cNvPr>
-          <p:cNvSpPr/>
-          <p:nvPr/>
-        </p:nvSpPr>
-        <p:spPr>
-          <a:xfrm>
-            <a:off x="916310" y="4497666"/>
-            <a:ext cx="1038387" cy="929897"/>
-          </a:xfrm>
-          <a:prstGeom prst="rect">
-            <a:avLst/>
-          </a:prstGeom>
-          <a:solidFill>
-            <a:srgbClr val="5A0002"/>
-          </a:solidFill>
-          <a:ln>
-            <a:noFill/>
-          </a:ln>
-        </p:spPr>
-        <p:style>
-          <a:lnRef idx="2">
-            <a:schemeClr val="accent1">
-              <a:shade val="50000"/>
-            </a:schemeClr>
-          </a:lnRef>
-          <a:fillRef idx="1">
-            <a:schemeClr val="accent1"/>
-          </a:fillRef>
-          <a:effectRef idx="0">
-            <a:schemeClr val="accent1"/>
-          </a:effectRef>
-          <a:fontRef idx="minor">
-            <a:schemeClr val="lt1"/>
-          </a:fontRef>
-        </p:style>
-        <p:txBody>
-          <a:bodyPr rtlCol="0" anchor="ctr"/>
-          <a:lstStyle/>
-          <a:p>
-            <a:pPr algn="ctr"/>
-            <a:endParaRPr lang="pt-BR"/>
-          </a:p>
-        </p:txBody>
-      </p:sp>
-      <p:sp>
-        <p:nvSpPr>
-          <p:cNvPr id="11" name="Retângulo 10">
-            <a:extLst>
-              <a:ext uri="{FF2B5EF4-FFF2-40B4-BE49-F238E27FC236}">
-                <a16:creationId xmlns:a16="http://schemas.microsoft.com/office/drawing/2014/main" id="{673F18CB-087F-FBBB-5C25-88507EB7B473}"/>
-              </a:ext>
-            </a:extLst>
-          </p:cNvPr>
-          <p:cNvSpPr/>
-          <p:nvPr/>
-        </p:nvSpPr>
-        <p:spPr>
-          <a:xfrm>
-            <a:off x="7362721" y="2031208"/>
-            <a:ext cx="1038387" cy="929897"/>
-          </a:xfrm>
-          <a:prstGeom prst="rect">
-            <a:avLst/>
-          </a:prstGeom>
-          <a:solidFill>
-            <a:schemeClr val="bg2"/>
-          </a:solidFill>
-          <a:ln>
-            <a:noFill/>
-          </a:ln>
-        </p:spPr>
-        <p:style>
-          <a:lnRef idx="2">
-            <a:schemeClr val="accent1">
-              <a:shade val="50000"/>
-            </a:schemeClr>
-          </a:lnRef>
-          <a:fillRef idx="1">
-            <a:schemeClr val="accent1"/>
-          </a:fillRef>
-          <a:effectRef idx="0">
-            <a:schemeClr val="accent1"/>
-          </a:effectRef>
-          <a:fontRef idx="minor">
-            <a:schemeClr val="lt1"/>
-          </a:fontRef>
-        </p:style>
-        <p:txBody>
-          <a:bodyPr rtlCol="0" anchor="ctr"/>
-          <a:lstStyle/>
-          <a:p>
-            <a:pPr algn="ctr"/>
-            <a:endParaRPr lang="pt-BR"/>
-          </a:p>
-        </p:txBody>
-      </p:sp>
-      <p:sp>
-        <p:nvSpPr>
-          <p:cNvPr id="14" name="Title 1">
-            <a:extLst>
-              <a:ext uri="{FF2B5EF4-FFF2-40B4-BE49-F238E27FC236}">
-                <a16:creationId xmlns:a16="http://schemas.microsoft.com/office/drawing/2014/main" id="{3E6C4D3E-AB2E-3320-45B9-76A26E1F9AEC}"/>
-              </a:ext>
-            </a:extLst>
-          </p:cNvPr>
-          <p:cNvSpPr txBox="1">
-            <a:spLocks/>
-          </p:cNvSpPr>
-          <p:nvPr/>
-        </p:nvSpPr>
-        <p:spPr>
-          <a:xfrm>
-            <a:off x="2078476" y="2170452"/>
-            <a:ext cx="2986705" cy="681506"/>
-          </a:xfrm>
-          <a:prstGeom prst="rect">
-            <a:avLst/>
-          </a:prstGeom>
-        </p:spPr>
-        <p:txBody>
-          <a:bodyPr vert="horz" lIns="91440" tIns="45720" rIns="91440" bIns="45720" rtlCol="0" anchor="b">
-            <a:noAutofit/>
-          </a:bodyPr>
-          <a:lstStyle>
-            <a:lvl1pPr algn="l" defTabSz="914400" rtl="0" eaLnBrk="1" latinLnBrk="0" hangingPunct="1">
-              <a:lnSpc>
-                <a:spcPct val="100000"/>
-              </a:lnSpc>
-              <a:spcBef>
-                <a:spcPct val="0"/>
-              </a:spcBef>
-              <a:buNone/>
-              <a:defRPr sz="4000" kern="1200" cap="all" spc="30" baseline="0">
-                <a:solidFill>
-                  <a:schemeClr val="tx1"/>
-                </a:solidFill>
-                <a:latin typeface="+mj-lt"/>
-                <a:ea typeface="+mj-ea"/>
-                <a:cs typeface="+mj-cs"/>
-              </a:defRPr>
-            </a:lvl1pPr>
-          </a:lstStyle>
-          <a:p>
-            <a:r>
-              <a:rPr lang="en-US" sz="4800" dirty="0">
-                <a:solidFill>
-                  <a:schemeClr val="bg2"/>
-                </a:solidFill>
-              </a:rPr>
-              <a:t>#EC800e</a:t>
-            </a:r>
-          </a:p>
-        </p:txBody>
-      </p:sp>
-      <p:sp>
-        <p:nvSpPr>
-          <p:cNvPr id="16" name="Title 1">
-            <a:extLst>
-              <a:ext uri="{FF2B5EF4-FFF2-40B4-BE49-F238E27FC236}">
-                <a16:creationId xmlns:a16="http://schemas.microsoft.com/office/drawing/2014/main" id="{0D839A0A-E0D5-9193-8DB9-C1637CA5B6D2}"/>
-              </a:ext>
-            </a:extLst>
-          </p:cNvPr>
-          <p:cNvSpPr txBox="1">
-            <a:spLocks/>
-          </p:cNvSpPr>
-          <p:nvPr/>
-        </p:nvSpPr>
-        <p:spPr>
-          <a:xfrm>
-            <a:off x="2078477" y="3222830"/>
-            <a:ext cx="2986704" cy="912421"/>
-          </a:xfrm>
-          <a:prstGeom prst="rect">
-            <a:avLst/>
-          </a:prstGeom>
-        </p:spPr>
-        <p:txBody>
-          <a:bodyPr vert="horz" lIns="91440" tIns="45720" rIns="91440" bIns="45720" rtlCol="0" anchor="b">
-            <a:noAutofit/>
-          </a:bodyPr>
-          <a:lstStyle>
-            <a:lvl1pPr algn="l" defTabSz="914400" rtl="0" eaLnBrk="1" latinLnBrk="0" hangingPunct="1">
-              <a:lnSpc>
-                <a:spcPct val="100000"/>
-              </a:lnSpc>
-              <a:spcBef>
-                <a:spcPct val="0"/>
-              </a:spcBef>
-              <a:buNone/>
-              <a:defRPr sz="4000" kern="1200" cap="all" spc="30" baseline="0">
-                <a:solidFill>
-                  <a:schemeClr val="tx1"/>
-                </a:solidFill>
-                <a:latin typeface="+mj-lt"/>
-                <a:ea typeface="+mj-ea"/>
-                <a:cs typeface="+mj-cs"/>
-              </a:defRPr>
-            </a:lvl1pPr>
-          </a:lstStyle>
-          <a:p>
-            <a:r>
-              <a:rPr lang="en-US" sz="4800" dirty="0">
-                <a:solidFill>
-                  <a:schemeClr val="bg2"/>
-                </a:solidFill>
-              </a:rPr>
-              <a:t>#1B2631</a:t>
-            </a:r>
-          </a:p>
-        </p:txBody>
-      </p:sp>
-      <p:sp>
-        <p:nvSpPr>
-          <p:cNvPr id="18" name="CaixaDeTexto 17">
-            <a:extLst>
-              <a:ext uri="{FF2B5EF4-FFF2-40B4-BE49-F238E27FC236}">
-                <a16:creationId xmlns:a16="http://schemas.microsoft.com/office/drawing/2014/main" id="{20C3812B-FB97-0BFA-CB3D-BFE3A02D045E}"/>
-              </a:ext>
-            </a:extLst>
-          </p:cNvPr>
-          <p:cNvSpPr txBox="1"/>
-          <p:nvPr/>
-        </p:nvSpPr>
-        <p:spPr>
-          <a:xfrm>
-            <a:off x="2078476" y="4497666"/>
-            <a:ext cx="3214235" cy="830997"/>
-          </a:xfrm>
-          <a:prstGeom prst="rect">
-            <a:avLst/>
-          </a:prstGeom>
-          <a:noFill/>
-        </p:spPr>
-        <p:txBody>
-          <a:bodyPr wrap="square">
-            <a:spAutoFit/>
-          </a:bodyPr>
-          <a:lstStyle/>
-          <a:p>
-            <a:r>
-              <a:rPr lang="en-US" sz="4800" dirty="0">
-                <a:solidFill>
-                  <a:schemeClr val="bg2"/>
-                </a:solidFill>
-                <a:latin typeface="+mj-lt"/>
-              </a:rPr>
-              <a:t>#5A0002</a:t>
-            </a:r>
-            <a:endParaRPr lang="pt-BR" sz="4800" dirty="0">
-              <a:latin typeface="+mj-lt"/>
-            </a:endParaRPr>
-          </a:p>
-        </p:txBody>
-      </p:sp>
-      <p:sp>
-        <p:nvSpPr>
-          <p:cNvPr id="20" name="CaixaDeTexto 19">
-            <a:extLst>
-              <a:ext uri="{FF2B5EF4-FFF2-40B4-BE49-F238E27FC236}">
-                <a16:creationId xmlns:a16="http://schemas.microsoft.com/office/drawing/2014/main" id="{C3898BFF-6898-3C03-F82B-B541F0520783}"/>
-              </a:ext>
-            </a:extLst>
-          </p:cNvPr>
-          <p:cNvSpPr txBox="1"/>
-          <p:nvPr/>
-        </p:nvSpPr>
-        <p:spPr>
-          <a:xfrm>
-            <a:off x="8558407" y="2031208"/>
-            <a:ext cx="2986704" cy="830997"/>
-          </a:xfrm>
-          <a:prstGeom prst="rect">
-            <a:avLst/>
-          </a:prstGeom>
-          <a:noFill/>
-        </p:spPr>
-        <p:txBody>
-          <a:bodyPr wrap="square">
-            <a:spAutoFit/>
-          </a:bodyPr>
-          <a:lstStyle/>
-          <a:p>
-            <a:r>
-              <a:rPr lang="en-US" sz="4800" dirty="0">
-                <a:solidFill>
-                  <a:schemeClr val="bg2"/>
-                </a:solidFill>
-              </a:rPr>
-              <a:t>#FFFFFF</a:t>
-            </a:r>
-            <a:endParaRPr lang="pt-BR" sz="4800" dirty="0"/>
-          </a:p>
-        </p:txBody>
-      </p:sp>
-    </p:spTree>
-    <p:extLst>
-      <p:ext uri="{BB962C8B-B14F-4D97-AF65-F5344CB8AC3E}">
-        <p14:creationId xmlns:p14="http://schemas.microsoft.com/office/powerpoint/2010/main" val="3082840767"/>
-      </p:ext>
-    </p:extLst>
-  </p:cSld>
-  <p:clrMapOvr>
-    <a:masterClrMapping/>
-  </p:clrMapOvr>
-</p:sld>
-</file>
-
-<file path=ppt/slides/slide7.xml><?xml version="1.0" encoding="utf-8"?>
-<p:sld xmlns:a="http://schemas.openxmlformats.org/drawingml/2006/main" xmlns:r="http://schemas.openxmlformats.org/officeDocument/2006/relationships" xmlns:p="http://schemas.openxmlformats.org/presentationml/2006/main">
-  <p:cSld>
-    <p:bg>
-      <p:bgPr>
-        <a:solidFill>
-          <a:schemeClr val="bg1"/>
-        </a:solidFill>
-        <a:effectLst/>
-      </p:bgPr>
-    </p:bg>
-    <p:spTree>
-      <p:nvGrpSpPr>
-        <p:cNvPr id="1" name=""/>
-        <p:cNvGrpSpPr/>
-        <p:nvPr/>
-      </p:nvGrpSpPr>
-      <p:grpSpPr>
-        <a:xfrm>
-          <a:off x="0" y="0"/>
-          <a:ext cx="0" cy="0"/>
-          <a:chOff x="0" y="0"/>
-          <a:chExt cx="0" cy="0"/>
-        </a:xfrm>
-      </p:grpSpPr>
-      <p:cxnSp>
-        <p:nvCxnSpPr>
-          <p:cNvPr id="58" name="Straight Connector 57">
-            <a:extLst>
-              <a:ext uri="{FF2B5EF4-FFF2-40B4-BE49-F238E27FC236}">
-                <a16:creationId xmlns:a16="http://schemas.microsoft.com/office/drawing/2014/main" id="{F64F9B95-9045-48D2-B9F3-2927E98F54AA}"/>
-              </a:ext>
-              <a:ext uri="{C183D7F6-B498-43B3-948B-1728B52AA6E4}">
-                <adec:decorative xmlns:adec="http://schemas.microsoft.com/office/drawing/2017/decorative" val="1"/>
-              </a:ext>
-            </a:extLst>
-          </p:cNvPr>
-          <p:cNvCxnSpPr>
-            <a:cxnSpLocks noGrp="1" noRot="1" noChangeAspect="1" noMove="1" noResize="1" noEditPoints="1" noAdjustHandles="1" noChangeArrowheads="1" noChangeShapeType="1"/>
-          </p:cNvCxnSpPr>
-          <p:nvPr>
-            <p:extLst>
-              <p:ext uri="{386F3935-93C4-4BCD-93E2-E3B085C9AB24}">
-                <p16:designElem xmlns:p16="http://schemas.microsoft.com/office/powerpoint/2015/main" val="1"/>
-              </p:ext>
-            </p:extLst>
-          </p:nvPr>
-        </p:nvCxnSpPr>
-        <p:spPr>
-          <a:xfrm>
-            <a:off x="800100" y="723900"/>
-            <a:ext cx="10591800" cy="0"/>
-          </a:xfrm>
-          <a:prstGeom prst="line">
-            <a:avLst/>
-          </a:prstGeom>
-          <a:ln w="44450">
-            <a:solidFill>
-              <a:schemeClr val="tx1"/>
-            </a:solidFill>
-          </a:ln>
-        </p:spPr>
-        <p:style>
-          <a:lnRef idx="1">
-            <a:schemeClr val="accent1"/>
-          </a:lnRef>
-          <a:fillRef idx="0">
-            <a:schemeClr val="accent1"/>
-          </a:fillRef>
-          <a:effectRef idx="0">
-            <a:schemeClr val="accent1"/>
-          </a:effectRef>
-          <a:fontRef idx="minor">
-            <a:schemeClr val="tx1"/>
-          </a:fontRef>
-        </p:style>
-      </p:cxnSp>
-      <p:cxnSp>
-        <p:nvCxnSpPr>
-          <p:cNvPr id="60" name="Straight Connector 59">
-            <a:extLst>
-              <a:ext uri="{FF2B5EF4-FFF2-40B4-BE49-F238E27FC236}">
-                <a16:creationId xmlns:a16="http://schemas.microsoft.com/office/drawing/2014/main" id="{085AA86F-6A4D-4BCB-A045-D992CDC2959B}"/>
-              </a:ext>
-              <a:ext uri="{C183D7F6-B498-43B3-948B-1728B52AA6E4}">
-                <adec:decorative xmlns:adec="http://schemas.microsoft.com/office/drawing/2017/decorative" val="1"/>
-              </a:ext>
-            </a:extLst>
-          </p:cNvPr>
-          <p:cNvCxnSpPr>
-            <a:cxnSpLocks noGrp="1" noRot="1" noChangeAspect="1" noMove="1" noResize="1" noEditPoints="1" noAdjustHandles="1" noChangeArrowheads="1" noChangeShapeType="1"/>
-          </p:cNvCxnSpPr>
-          <p:nvPr>
-            <p:extLst>
-              <p:ext uri="{386F3935-93C4-4BCD-93E2-E3B085C9AB24}">
-                <p16:designElem xmlns:p16="http://schemas.microsoft.com/office/powerpoint/2015/main" val="1"/>
-              </p:ext>
-            </p:extLst>
-          </p:nvPr>
-        </p:nvCxnSpPr>
-        <p:spPr>
-          <a:xfrm>
-            <a:off x="800100" y="6142781"/>
-            <a:ext cx="10591800" cy="0"/>
-          </a:xfrm>
-          <a:prstGeom prst="line">
-            <a:avLst/>
-          </a:prstGeom>
-          <a:ln w="12700">
-            <a:solidFill>
-              <a:schemeClr val="tx1"/>
-            </a:solidFill>
-          </a:ln>
-        </p:spPr>
-        <p:style>
-          <a:lnRef idx="1">
-            <a:schemeClr val="accent1"/>
-          </a:lnRef>
-          <a:fillRef idx="0">
-            <a:schemeClr val="accent1"/>
-          </a:fillRef>
-          <a:effectRef idx="0">
-            <a:schemeClr val="accent1"/>
-          </a:effectRef>
-          <a:fontRef idx="minor">
-            <a:schemeClr val="tx1"/>
-          </a:fontRef>
-        </p:style>
-      </p:cxnSp>
       <p:sp useBgFill="1">
         <p:nvSpPr>
-          <p:cNvPr id="62" name="Rectangle 61">
-            <a:extLst>
-              <a:ext uri="{FF2B5EF4-FFF2-40B4-BE49-F238E27FC236}">
-                <a16:creationId xmlns:a16="http://schemas.microsoft.com/office/drawing/2014/main" id="{74ABF6B1-3A9A-4CEE-889E-0D96AB03A7D5}"/>
+          <p:cNvPr id="38" name="Rectangle 37">
+            <a:extLst>
+              <a:ext uri="{FF2B5EF4-FFF2-40B4-BE49-F238E27FC236}">
+                <a16:creationId xmlns:a16="http://schemas.microsoft.com/office/drawing/2014/main" id="{33E93247-6229-44AB-A550-739E971E690B}"/>
               </a:ext>
               <a:ext uri="{C183D7F6-B498-43B3-948B-1728B52AA6E4}">
                 <adec:decorative xmlns:adec="http://schemas.microsoft.com/office/drawing/2017/decorative" val="1"/>
@@ -7288,8 +6523,8 @@
         </p:nvSpPr>
         <p:spPr>
           <a:xfrm>
-            <a:off x="695325" y="870597"/>
-            <a:ext cx="10848975" cy="1100559"/>
+            <a:off x="643964" y="2921409"/>
+            <a:ext cx="5227171" cy="1746182"/>
           </a:xfrm>
         </p:spPr>
         <p:txBody>
@@ -7298,19 +6533,27 @@
           </a:bodyPr>
           <a:lstStyle/>
           <a:p>
-            <a:r>
-              <a:rPr lang="en-US" sz="5400"/>
-              <a:t>Icones utilizados</a:t>
-            </a:r>
+            <a:pPr marL="685800" indent="-685800">
+              <a:buFont typeface="Arial" panose="020B0604020202020204" pitchFamily="34" charset="0"/>
+              <a:buChar char="•"/>
+            </a:pPr>
+            <a:r>
+              <a:rPr lang="en-US" sz="5400" dirty="0"/>
+              <a:t>Tempo</a:t>
+            </a:r>
+            <a:br>
+              <a:rPr lang="en-US" sz="5400" dirty="0"/>
+            </a:br>
+            <a:endParaRPr lang="en-US" sz="5400" dirty="0"/>
           </a:p>
         </p:txBody>
       </p:sp>
       <p:cxnSp>
         <p:nvCxnSpPr>
-          <p:cNvPr id="64" name="Straight Connector 63">
-            <a:extLst>
-              <a:ext uri="{FF2B5EF4-FFF2-40B4-BE49-F238E27FC236}">
-                <a16:creationId xmlns:a16="http://schemas.microsoft.com/office/drawing/2014/main" id="{611CC0C8-C714-4135-84E8-4BC5A83F1A53}"/>
+          <p:cNvPr id="40" name="Straight Connector 39">
+            <a:extLst>
+              <a:ext uri="{FF2B5EF4-FFF2-40B4-BE49-F238E27FC236}">
+                <a16:creationId xmlns:a16="http://schemas.microsoft.com/office/drawing/2014/main" id="{EE2E603F-4A95-4FE8-BB06-211DFD75DBEF}"/>
               </a:ext>
               <a:ext uri="{C183D7F6-B498-43B3-948B-1728B52AA6E4}">
                 <adec:decorative xmlns:adec="http://schemas.microsoft.com/office/drawing/2017/decorative" val="1"/>
@@ -7331,7 +6574,7 @@
         <p:spPr>
           <a:xfrm>
             <a:off x="800100" y="723900"/>
-            <a:ext cx="10591800" cy="0"/>
+            <a:ext cx="4914900" cy="0"/>
           </a:xfrm>
           <a:prstGeom prst="line">
             <a:avLst/>
@@ -7357,101 +6600,12 @@
           </a:fontRef>
         </p:style>
       </p:cxnSp>
-      <p:pic>
-        <p:nvPicPr>
-          <p:cNvPr id="12" name="Imagem 11" descr="Uma imagem contendo Seta&#10;&#10;Descrição gerada automaticamente">
-            <a:extLst>
-              <a:ext uri="{FF2B5EF4-FFF2-40B4-BE49-F238E27FC236}">
-                <a16:creationId xmlns:a16="http://schemas.microsoft.com/office/drawing/2014/main" id="{787E08C1-4A55-743C-D1C0-A42C8E1F9ADA}"/>
-              </a:ext>
-            </a:extLst>
-          </p:cNvPr>
-          <p:cNvPicPr>
-            <a:picLocks noChangeAspect="1"/>
-          </p:cNvPicPr>
-          <p:nvPr/>
-        </p:nvPicPr>
-        <p:blipFill>
-          <a:blip r:embed="rId2"/>
-          <a:stretch>
-            <a:fillRect/>
-          </a:stretch>
-        </p:blipFill>
-        <p:spPr>
-          <a:xfrm>
-            <a:off x="1064881" y="3048000"/>
-            <a:ext cx="2752969" cy="2752969"/>
-          </a:xfrm>
-          <a:prstGeom prst="rect">
-            <a:avLst/>
-          </a:prstGeom>
-        </p:spPr>
-      </p:pic>
-      <p:pic>
-        <p:nvPicPr>
-          <p:cNvPr id="5" name="Imagem 4" descr="Uma imagem contendo peças de metal, mesa, corrente, pequeno&#10;&#10;Descrição gerada automaticamente">
-            <a:extLst>
-              <a:ext uri="{FF2B5EF4-FFF2-40B4-BE49-F238E27FC236}">
-                <a16:creationId xmlns:a16="http://schemas.microsoft.com/office/drawing/2014/main" id="{AFBA3EE1-DBBD-1EDE-AC25-060C8CB0D7B2}"/>
-              </a:ext>
-            </a:extLst>
-          </p:cNvPr>
-          <p:cNvPicPr>
-            <a:picLocks noChangeAspect="1"/>
-          </p:cNvPicPr>
-          <p:nvPr/>
-        </p:nvPicPr>
-        <p:blipFill rotWithShape="1">
-          <a:blip r:embed="rId3"/>
-          <a:srcRect r="2" b="6260"/>
-          <a:stretch/>
-        </p:blipFill>
-        <p:spPr>
-          <a:xfrm>
-            <a:off x="4627623" y="3038231"/>
-            <a:ext cx="2936754" cy="2752969"/>
-          </a:xfrm>
-          <a:prstGeom prst="rect">
-            <a:avLst/>
-          </a:prstGeom>
-        </p:spPr>
-      </p:pic>
-      <p:pic>
-        <p:nvPicPr>
-          <p:cNvPr id="7" name="Imagem 6" descr="Forma&#10;&#10;Descrição gerada automaticamente com confiança baixa">
-            <a:extLst>
-              <a:ext uri="{FF2B5EF4-FFF2-40B4-BE49-F238E27FC236}">
-                <a16:creationId xmlns:a16="http://schemas.microsoft.com/office/drawing/2014/main" id="{672FEEC4-A5E8-0D36-8F0B-BAD49839FF45}"/>
-              </a:ext>
-            </a:extLst>
-          </p:cNvPr>
-          <p:cNvPicPr>
-            <a:picLocks noChangeAspect="1"/>
-          </p:cNvPicPr>
-          <p:nvPr/>
-        </p:nvPicPr>
-        <p:blipFill>
-          <a:blip r:embed="rId4"/>
-          <a:stretch>
-            <a:fillRect/>
-          </a:stretch>
-        </p:blipFill>
-        <p:spPr>
-          <a:xfrm>
-            <a:off x="8385707" y="3048000"/>
-            <a:ext cx="2752969" cy="2752969"/>
-          </a:xfrm>
-          <a:prstGeom prst="rect">
-            <a:avLst/>
-          </a:prstGeom>
-        </p:spPr>
-      </p:pic>
       <p:cxnSp>
         <p:nvCxnSpPr>
-          <p:cNvPr id="66" name="Straight Connector 65">
-            <a:extLst>
-              <a:ext uri="{FF2B5EF4-FFF2-40B4-BE49-F238E27FC236}">
-                <a16:creationId xmlns:a16="http://schemas.microsoft.com/office/drawing/2014/main" id="{A0AFDA3D-3C0B-4E18-B444-F11410C378C9}"/>
+          <p:cNvPr id="42" name="Straight Connector 41">
+            <a:extLst>
+              <a:ext uri="{FF2B5EF4-FFF2-40B4-BE49-F238E27FC236}">
+                <a16:creationId xmlns:a16="http://schemas.microsoft.com/office/drawing/2014/main" id="{D7CC41EB-2D81-4303-9171-6401B388BA35}"/>
               </a:ext>
               <a:ext uri="{C183D7F6-B498-43B3-948B-1728B52AA6E4}">
                 <adec:decorative xmlns:adec="http://schemas.microsoft.com/office/drawing/2017/decorative" val="1"/>
@@ -7471,8 +6625,8 @@
         </p:nvCxnSpPr>
         <p:spPr>
           <a:xfrm>
-            <a:off x="800100" y="6142781"/>
-            <a:ext cx="10591800" cy="0"/>
+            <a:off x="800100" y="6134100"/>
+            <a:ext cx="4914900" cy="0"/>
           </a:xfrm>
           <a:prstGeom prst="line">
             <a:avLst/>
@@ -7498,32 +6652,61 @@
           </a:fontRef>
         </p:style>
       </p:cxnSp>
-      <p:sp>
-        <p:nvSpPr>
-          <p:cNvPr id="14" name="Title 1">
-            <a:extLst>
-              <a:ext uri="{FF2B5EF4-FFF2-40B4-BE49-F238E27FC236}">
-                <a16:creationId xmlns:a16="http://schemas.microsoft.com/office/drawing/2014/main" id="{3E6C4D3E-AB2E-3320-45B9-76A26E1F9AEC}"/>
-              </a:ext>
-            </a:extLst>
-          </p:cNvPr>
-          <p:cNvSpPr txBox="1">
-            <a:spLocks/>
-          </p:cNvSpPr>
+      <p:pic>
+        <p:nvPicPr>
+          <p:cNvPr id="4" name="Imagem 3" descr="Uma imagem contendo Ícone&#10;&#10;Descrição gerada automaticamente">
+            <a:extLst>
+              <a:ext uri="{FF2B5EF4-FFF2-40B4-BE49-F238E27FC236}">
+                <a16:creationId xmlns:a16="http://schemas.microsoft.com/office/drawing/2014/main" id="{9F735625-72AC-1AB0-D05A-7EF8A4787731}"/>
+              </a:ext>
+            </a:extLst>
+          </p:cNvPr>
+          <p:cNvPicPr>
+            <a:picLocks noChangeAspect="1"/>
+          </p:cNvPicPr>
           <p:nvPr/>
-        </p:nvSpPr>
-        <p:spPr>
-          <a:xfrm>
-            <a:off x="2078476" y="2170452"/>
-            <a:ext cx="2986705" cy="681506"/>
+        </p:nvPicPr>
+        <p:blipFill rotWithShape="1">
+          <a:blip r:embed="rId2"/>
+          <a:srcRect r="4853"/>
+          <a:stretch/>
+        </p:blipFill>
+        <p:spPr>
+          <a:xfrm>
+            <a:off x="6515100" y="10"/>
+            <a:ext cx="5676900" cy="6857990"/>
           </a:xfrm>
           <a:prstGeom prst="rect">
             <a:avLst/>
           </a:prstGeom>
         </p:spPr>
-        <p:txBody>
-          <a:bodyPr vert="horz" lIns="91440" tIns="45720" rIns="91440" bIns="45720" rtlCol="0" anchor="b">
-            <a:noAutofit/>
+      </p:pic>
+      <p:sp>
+        <p:nvSpPr>
+          <p:cNvPr id="24" name="Title 1">
+            <a:extLst>
+              <a:ext uri="{FF2B5EF4-FFF2-40B4-BE49-F238E27FC236}">
+                <a16:creationId xmlns:a16="http://schemas.microsoft.com/office/drawing/2014/main" id="{F2D5EAEB-A5B4-001C-ACB1-C3787BB8CF7C}"/>
+              </a:ext>
+            </a:extLst>
+          </p:cNvPr>
+          <p:cNvSpPr txBox="1">
+            <a:spLocks/>
+          </p:cNvSpPr>
+          <p:nvPr/>
+        </p:nvSpPr>
+        <p:spPr>
+          <a:xfrm>
+            <a:off x="800099" y="1024159"/>
+            <a:ext cx="5227171" cy="1746182"/>
+          </a:xfrm>
+          <a:prstGeom prst="rect">
+            <a:avLst/>
+          </a:prstGeom>
+        </p:spPr>
+        <p:txBody>
+          <a:bodyPr vert="horz" lIns="91440" tIns="45720" rIns="91440" bIns="45720" rtlCol="0" anchor="t">
+            <a:normAutofit/>
           </a:bodyPr>
           <a:lstStyle>
             <a:lvl1pPr algn="l" defTabSz="914400" rtl="0" eaLnBrk="1" latinLnBrk="0" hangingPunct="1">
@@ -7545,65 +6728,58 @@
             </a:lvl1pPr>
           </a:lstStyle>
           <a:p>
-            <a:endParaRPr lang="en-US" sz="4800" dirty="0">
-              <a:solidFill>
-                <a:schemeClr val="bg2"/>
-              </a:solidFill>
-            </a:endParaRPr>
-          </a:p>
-        </p:txBody>
-      </p:sp>
-      <p:sp>
-        <p:nvSpPr>
-          <p:cNvPr id="16" name="Title 1">
-            <a:extLst>
-              <a:ext uri="{FF2B5EF4-FFF2-40B4-BE49-F238E27FC236}">
-                <a16:creationId xmlns:a16="http://schemas.microsoft.com/office/drawing/2014/main" id="{0D839A0A-E0D5-9193-8DB9-C1637CA5B6D2}"/>
-              </a:ext>
-            </a:extLst>
-          </p:cNvPr>
-          <p:cNvSpPr txBox="1">
-            <a:spLocks/>
-          </p:cNvSpPr>
+            <a:r>
+              <a:rPr lang="en-US" sz="5400"/>
+              <a:t>Maiores dificuldades</a:t>
+            </a:r>
+            <a:endParaRPr lang="en-US" sz="5400" dirty="0"/>
+          </a:p>
+        </p:txBody>
+      </p:sp>
+      <p:sp>
+        <p:nvSpPr>
+          <p:cNvPr id="26" name="CaixaDeTexto 25">
+            <a:extLst>
+              <a:ext uri="{FF2B5EF4-FFF2-40B4-BE49-F238E27FC236}">
+                <a16:creationId xmlns:a16="http://schemas.microsoft.com/office/drawing/2014/main" id="{A9376192-7051-5F60-BCFC-4F990E3F08C3}"/>
+              </a:ext>
+            </a:extLst>
+          </p:cNvPr>
+          <p:cNvSpPr txBox="1"/>
           <p:nvPr/>
         </p:nvSpPr>
         <p:spPr>
           <a:xfrm>
-            <a:off x="2078477" y="3222830"/>
-            <a:ext cx="2986704" cy="912421"/>
+            <a:off x="643964" y="4205926"/>
+            <a:ext cx="6093912" cy="923330"/>
           </a:xfrm>
           <a:prstGeom prst="rect">
             <a:avLst/>
           </a:prstGeom>
-        </p:spPr>
-        <p:txBody>
-          <a:bodyPr vert="horz" lIns="91440" tIns="45720" rIns="91440" bIns="45720" rtlCol="0" anchor="b">
-            <a:noAutofit/>
+          <a:noFill/>
+        </p:spPr>
+        <p:txBody>
+          <a:bodyPr wrap="square">
+            <a:spAutoFit/>
           </a:bodyPr>
-          <a:lstStyle>
-            <a:lvl1pPr algn="l" defTabSz="914400" rtl="0" eaLnBrk="1" latinLnBrk="0" hangingPunct="1">
-              <a:lnSpc>
-                <a:spcPct val="100000"/>
-              </a:lnSpc>
-              <a:spcBef>
-                <a:spcPct val="0"/>
-              </a:spcBef>
-              <a:buNone/>
-              <a:defRPr sz="4000" kern="1200" cap="all" spc="30" baseline="0">
-                <a:solidFill>
-                  <a:schemeClr val="tx1"/>
-                </a:solidFill>
+          <a:lstStyle/>
+          <a:p>
+            <a:pPr marL="685800" indent="-685800">
+              <a:buFont typeface="Arial" panose="020B0604020202020204" pitchFamily="34" charset="0"/>
+              <a:buChar char="•"/>
+            </a:pPr>
+            <a:r>
+              <a:rPr lang="en-US" sz="5400" cap="all" spc="30" dirty="0">
                 <a:latin typeface="+mj-lt"/>
                 <a:ea typeface="+mj-ea"/>
                 <a:cs typeface="+mj-cs"/>
-              </a:defRPr>
-            </a:lvl1pPr>
-          </a:lstStyle>
-          <a:p>
-            <a:endParaRPr lang="en-US" sz="4800" dirty="0">
-              <a:solidFill>
-                <a:schemeClr val="bg2"/>
-              </a:solidFill>
+              </a:rPr>
+              <a:t>design</a:t>
+            </a:r>
+            <a:endParaRPr lang="pt-BR" sz="5400" cap="all" spc="30" dirty="0">
+              <a:latin typeface="+mj-lt"/>
+              <a:ea typeface="+mj-ea"/>
+              <a:cs typeface="+mj-cs"/>
             </a:endParaRPr>
           </a:p>
         </p:txBody>
@@ -7611,7 +6787,7 @@
     </p:spTree>
     <p:extLst>
       <p:ext uri="{BB962C8B-B14F-4D97-AF65-F5344CB8AC3E}">
-        <p14:creationId xmlns:p14="http://schemas.microsoft.com/office/powerpoint/2010/main" val="3900984582"/>
+        <p14:creationId xmlns:p14="http://schemas.microsoft.com/office/powerpoint/2010/main" val="481121009"/>
       </p:ext>
     </p:extLst>
   </p:cSld>
@@ -7630,9 +6806,6 @@
                     <p:cTn id="3" fill="hold">
                       <p:stCondLst>
                         <p:cond delay="indefinite"/>
-                        <p:cond evt="onBegin" delay="0">
-                          <p:tn val="2"/>
-                        </p:cond>
                       </p:stCondLst>
                       <p:childTnLst>
                         <p:par>
@@ -7642,13 +6815,10 @@
                             </p:stCondLst>
                             <p:childTnLst>
                               <p:par>
-                                <p:cTn id="5" presetID="10" presetClass="entr" presetSubtype="0" fill="hold" grpId="0" nodeType="withEffect">
+                                <p:cTn id="5" presetID="1" presetClass="entr" presetSubtype="0" fill="hold" grpId="0" nodeType="clickEffect">
                                   <p:stCondLst>
-                                    <p:cond delay="1000"/>
+                                    <p:cond delay="0"/>
                                   </p:stCondLst>
-                                  <p:iterate>
-                                    <p:tmPct val="10000"/>
-                                  </p:iterate>
                                   <p:childTnLst>
                                     <p:set>
                                       <p:cBhvr>
@@ -7668,14 +6838,51 @@
                                         <p:strVal val="visible"/>
                                       </p:to>
                                     </p:set>
-                                    <p:animEffect transition="in" filter="fade">
+                                  </p:childTnLst>
+                                </p:cTn>
+                              </p:par>
+                            </p:childTnLst>
+                          </p:cTn>
+                        </p:par>
+                      </p:childTnLst>
+                    </p:cTn>
+                  </p:par>
+                  <p:par>
+                    <p:cTn id="7" fill="hold">
+                      <p:stCondLst>
+                        <p:cond delay="indefinite"/>
+                      </p:stCondLst>
+                      <p:childTnLst>
+                        <p:par>
+                          <p:cTn id="8" fill="hold">
+                            <p:stCondLst>
+                              <p:cond delay="0"/>
+                            </p:stCondLst>
+                            <p:childTnLst>
+                              <p:par>
+                                <p:cTn id="9" presetID="1" presetClass="entr" presetSubtype="0" fill="hold" grpId="0" nodeType="clickEffect">
+                                  <p:stCondLst>
+                                    <p:cond delay="0"/>
+                                  </p:stCondLst>
+                                  <p:childTnLst>
+                                    <p:set>
                                       <p:cBhvr>
-                                        <p:cTn id="7" dur="700"/>
+                                        <p:cTn id="10" dur="1" fill="hold">
+                                          <p:stCondLst>
+                                            <p:cond delay="0"/>
+                                          </p:stCondLst>
+                                        </p:cTn>
                                         <p:tgtEl>
-                                          <p:spTgt spid="2"/>
+                                          <p:spTgt spid="26"/>
                                         </p:tgtEl>
+                                        <p:attrNameLst>
+                                          <p:attrName>style.visibility</p:attrName>
+                                        </p:attrNameLst>
                                       </p:cBhvr>
-                                    </p:animEffect>
+                                      <p:to>
+                                        <p:strVal val="visible"/>
+                                      </p:to>
+                                    </p:set>
                                   </p:childTnLst>
                                 </p:cTn>
                               </p:par>
@@ -7708,12 +6915,1335 @@
     </p:tnLst>
     <p:bldLst>
       <p:bldP spid="2" grpId="0"/>
+      <p:bldP spid="26" grpId="0"/>
     </p:bldLst>
   </p:timing>
 </p:sld>
 </file>
 
+<file path=ppt/slides/slide7.xml><?xml version="1.0" encoding="utf-8"?>
+<p:sld xmlns:a="http://schemas.openxmlformats.org/drawingml/2006/main" xmlns:r="http://schemas.openxmlformats.org/officeDocument/2006/relationships" xmlns:p="http://schemas.openxmlformats.org/presentationml/2006/main">
+  <p:cSld>
+    <p:bg>
+      <p:bgPr>
+        <a:solidFill>
+          <a:schemeClr val="bg1"/>
+        </a:solidFill>
+        <a:effectLst/>
+      </p:bgPr>
+    </p:bg>
+    <p:spTree>
+      <p:nvGrpSpPr>
+        <p:cNvPr id="1" name=""/>
+        <p:cNvGrpSpPr/>
+        <p:nvPr/>
+      </p:nvGrpSpPr>
+      <p:grpSpPr>
+        <a:xfrm>
+          <a:off x="0" y="0"/>
+          <a:ext cx="0" cy="0"/>
+          <a:chOff x="0" y="0"/>
+          <a:chExt cx="0" cy="0"/>
+        </a:xfrm>
+      </p:grpSpPr>
+      <p:cxnSp>
+        <p:nvCxnSpPr>
+          <p:cNvPr id="21" name="Straight Connector 20">
+            <a:extLst>
+              <a:ext uri="{FF2B5EF4-FFF2-40B4-BE49-F238E27FC236}">
+                <a16:creationId xmlns:a16="http://schemas.microsoft.com/office/drawing/2014/main" id="{F64F9B95-9045-48D2-B9F3-2927E98F54AA}"/>
+              </a:ext>
+              <a:ext uri="{C183D7F6-B498-43B3-948B-1728B52AA6E4}">
+                <adec:decorative xmlns:adec="http://schemas.microsoft.com/office/drawing/2017/decorative" val="1"/>
+              </a:ext>
+            </a:extLst>
+          </p:cNvPr>
+          <p:cNvCxnSpPr>
+            <a:cxnSpLocks noGrp="1" noRot="1" noChangeAspect="1" noMove="1" noResize="1" noEditPoints="1" noAdjustHandles="1" noChangeArrowheads="1" noChangeShapeType="1"/>
+          </p:cNvCxnSpPr>
+          <p:nvPr>
+            <p:extLst>
+              <p:ext uri="{386F3935-93C4-4BCD-93E2-E3B085C9AB24}">
+                <p16:designElem xmlns:p16="http://schemas.microsoft.com/office/powerpoint/2015/main" val="1"/>
+              </p:ext>
+            </p:extLst>
+          </p:nvPr>
+        </p:nvCxnSpPr>
+        <p:spPr>
+          <a:xfrm>
+            <a:off x="800100" y="723900"/>
+            <a:ext cx="10591800" cy="0"/>
+          </a:xfrm>
+          <a:prstGeom prst="line">
+            <a:avLst/>
+          </a:prstGeom>
+          <a:ln w="44450">
+            <a:solidFill>
+              <a:schemeClr val="tx1"/>
+            </a:solidFill>
+          </a:ln>
+        </p:spPr>
+        <p:style>
+          <a:lnRef idx="1">
+            <a:schemeClr val="accent1"/>
+          </a:lnRef>
+          <a:fillRef idx="0">
+            <a:schemeClr val="accent1"/>
+          </a:fillRef>
+          <a:effectRef idx="0">
+            <a:schemeClr val="accent1"/>
+          </a:effectRef>
+          <a:fontRef idx="minor">
+            <a:schemeClr val="tx1"/>
+          </a:fontRef>
+        </p:style>
+      </p:cxnSp>
+      <p:cxnSp>
+        <p:nvCxnSpPr>
+          <p:cNvPr id="23" name="Straight Connector 22">
+            <a:extLst>
+              <a:ext uri="{FF2B5EF4-FFF2-40B4-BE49-F238E27FC236}">
+                <a16:creationId xmlns:a16="http://schemas.microsoft.com/office/drawing/2014/main" id="{085AA86F-6A4D-4BCB-A045-D992CDC2959B}"/>
+              </a:ext>
+              <a:ext uri="{C183D7F6-B498-43B3-948B-1728B52AA6E4}">
+                <adec:decorative xmlns:adec="http://schemas.microsoft.com/office/drawing/2017/decorative" val="1"/>
+              </a:ext>
+            </a:extLst>
+          </p:cNvPr>
+          <p:cNvCxnSpPr>
+            <a:cxnSpLocks noGrp="1" noRot="1" noChangeAspect="1" noMove="1" noResize="1" noEditPoints="1" noAdjustHandles="1" noChangeArrowheads="1" noChangeShapeType="1"/>
+          </p:cNvCxnSpPr>
+          <p:nvPr>
+            <p:extLst>
+              <p:ext uri="{386F3935-93C4-4BCD-93E2-E3B085C9AB24}">
+                <p16:designElem xmlns:p16="http://schemas.microsoft.com/office/powerpoint/2015/main" val="1"/>
+              </p:ext>
+            </p:extLst>
+          </p:nvPr>
+        </p:nvCxnSpPr>
+        <p:spPr>
+          <a:xfrm>
+            <a:off x="800100" y="6142781"/>
+            <a:ext cx="10591800" cy="0"/>
+          </a:xfrm>
+          <a:prstGeom prst="line">
+            <a:avLst/>
+          </a:prstGeom>
+          <a:ln w="12700">
+            <a:solidFill>
+              <a:schemeClr val="tx1"/>
+            </a:solidFill>
+          </a:ln>
+        </p:spPr>
+        <p:style>
+          <a:lnRef idx="1">
+            <a:schemeClr val="accent1"/>
+          </a:lnRef>
+          <a:fillRef idx="0">
+            <a:schemeClr val="accent1"/>
+          </a:fillRef>
+          <a:effectRef idx="0">
+            <a:schemeClr val="accent1"/>
+          </a:effectRef>
+          <a:fontRef idx="minor">
+            <a:schemeClr val="tx1"/>
+          </a:fontRef>
+        </p:style>
+      </p:cxnSp>
+      <p:sp>
+        <p:nvSpPr>
+          <p:cNvPr id="25" name="Rectangle 24">
+            <a:extLst>
+              <a:ext uri="{FF2B5EF4-FFF2-40B4-BE49-F238E27FC236}">
+                <a16:creationId xmlns:a16="http://schemas.microsoft.com/office/drawing/2014/main" id="{DEF92653-5D6D-47E6-8744-0DAF76E049C4}"/>
+              </a:ext>
+              <a:ext uri="{C183D7F6-B498-43B3-948B-1728B52AA6E4}">
+                <adec:decorative xmlns:adec="http://schemas.microsoft.com/office/drawing/2017/decorative" val="1"/>
+              </a:ext>
+            </a:extLst>
+          </p:cNvPr>
+          <p:cNvSpPr>
+            <a:spLocks noGrp="1" noRot="1" noChangeAspect="1" noMove="1" noResize="1" noEditPoints="1" noAdjustHandles="1" noChangeArrowheads="1" noChangeShapeType="1" noTextEdit="1"/>
+          </p:cNvSpPr>
+          <p:nvPr>
+            <p:extLst>
+              <p:ext uri="{386F3935-93C4-4BCD-93E2-E3B085C9AB24}">
+                <p16:designElem xmlns:p16="http://schemas.microsoft.com/office/powerpoint/2015/main" val="1"/>
+              </p:ext>
+            </p:extLst>
+          </p:nvPr>
+        </p:nvSpPr>
+        <p:spPr>
+          <a:xfrm>
+            <a:off x="0" y="0"/>
+            <a:ext cx="12192000" cy="6858000"/>
+          </a:xfrm>
+          <a:prstGeom prst="rect">
+            <a:avLst/>
+          </a:prstGeom>
+          <a:solidFill>
+            <a:schemeClr val="tx1"/>
+          </a:solidFill>
+          <a:ln w="12700" cap="flat" cmpd="sng" algn="ctr">
+            <a:noFill/>
+            <a:prstDash val="solid"/>
+            <a:miter lim="800000"/>
+          </a:ln>
+          <a:effectLst/>
+        </p:spPr>
+        <p:style>
+          <a:lnRef idx="2">
+            <a:schemeClr val="accent1">
+              <a:shade val="50000"/>
+            </a:schemeClr>
+          </a:lnRef>
+          <a:fillRef idx="1">
+            <a:schemeClr val="accent1"/>
+          </a:fillRef>
+          <a:effectRef idx="0">
+            <a:schemeClr val="accent1"/>
+          </a:effectRef>
+          <a:fontRef idx="minor">
+            <a:schemeClr val="lt1"/>
+          </a:fontRef>
+        </p:style>
+        <p:txBody>
+          <a:bodyPr rtlCol="0" anchor="ctr"/>
+          <a:lstStyle/>
+          <a:p>
+            <a:pPr algn="ctr"/>
+            <a:endParaRPr lang="en-US"/>
+          </a:p>
+        </p:txBody>
+      </p:sp>
+      <p:sp>
+        <p:nvSpPr>
+          <p:cNvPr id="2" name="Title 1">
+            <a:extLst>
+              <a:ext uri="{FF2B5EF4-FFF2-40B4-BE49-F238E27FC236}">
+                <a16:creationId xmlns:a16="http://schemas.microsoft.com/office/drawing/2014/main" id="{615214CA-33E7-E330-9355-91A88FE1E1FF}"/>
+              </a:ext>
+            </a:extLst>
+          </p:cNvPr>
+          <p:cNvSpPr>
+            <a:spLocks noGrp="1"/>
+          </p:cNvSpPr>
+          <p:nvPr>
+            <p:ph type="title"/>
+          </p:nvPr>
+        </p:nvSpPr>
+        <p:spPr>
+          <a:xfrm>
+            <a:off x="800100" y="957860"/>
+            <a:ext cx="6867926" cy="929897"/>
+          </a:xfrm>
+        </p:spPr>
+        <p:txBody>
+          <a:bodyPr vert="horz" lIns="91440" tIns="45720" rIns="91440" bIns="45720" rtlCol="0" anchor="b">
+            <a:normAutofit/>
+          </a:bodyPr>
+          <a:lstStyle/>
+          <a:p>
+            <a:r>
+              <a:rPr lang="en-US" sz="5400" dirty="0" err="1">
+                <a:solidFill>
+                  <a:schemeClr val="bg2"/>
+                </a:solidFill>
+              </a:rPr>
+              <a:t>Palheta</a:t>
+            </a:r>
+            <a:r>
+              <a:rPr lang="en-US" sz="5400" dirty="0">
+                <a:solidFill>
+                  <a:schemeClr val="bg2"/>
+                </a:solidFill>
+              </a:rPr>
+              <a:t> de cores</a:t>
+            </a:r>
+          </a:p>
+        </p:txBody>
+      </p:sp>
+      <p:cxnSp>
+        <p:nvCxnSpPr>
+          <p:cNvPr id="27" name="Straight Connector 26">
+            <a:extLst>
+              <a:ext uri="{FF2B5EF4-FFF2-40B4-BE49-F238E27FC236}">
+                <a16:creationId xmlns:a16="http://schemas.microsoft.com/office/drawing/2014/main" id="{9CA98CE3-81A7-4FFE-A047-9AA65998D877}"/>
+              </a:ext>
+              <a:ext uri="{C183D7F6-B498-43B3-948B-1728B52AA6E4}">
+                <adec:decorative xmlns:adec="http://schemas.microsoft.com/office/drawing/2017/decorative" val="1"/>
+              </a:ext>
+            </a:extLst>
+          </p:cNvPr>
+          <p:cNvCxnSpPr>
+            <a:cxnSpLocks noGrp="1" noRot="1" noChangeAspect="1" noMove="1" noResize="1" noEditPoints="1" noAdjustHandles="1" noChangeArrowheads="1" noChangeShapeType="1"/>
+          </p:cNvCxnSpPr>
+          <p:nvPr>
+            <p:extLst>
+              <p:ext uri="{386F3935-93C4-4BCD-93E2-E3B085C9AB24}">
+                <p16:designElem xmlns:p16="http://schemas.microsoft.com/office/powerpoint/2015/main" val="1"/>
+              </p:ext>
+            </p:extLst>
+          </p:nvPr>
+        </p:nvCxnSpPr>
+        <p:spPr>
+          <a:xfrm>
+            <a:off x="800100" y="723900"/>
+            <a:ext cx="10591800" cy="0"/>
+          </a:xfrm>
+          <a:prstGeom prst="line">
+            <a:avLst/>
+          </a:prstGeom>
+          <a:ln w="44450">
+            <a:solidFill>
+              <a:schemeClr val="bg2"/>
+            </a:solidFill>
+          </a:ln>
+        </p:spPr>
+        <p:style>
+          <a:lnRef idx="1">
+            <a:schemeClr val="accent1"/>
+          </a:lnRef>
+          <a:fillRef idx="0">
+            <a:schemeClr val="accent1"/>
+          </a:fillRef>
+          <a:effectRef idx="0">
+            <a:schemeClr val="accent1"/>
+          </a:effectRef>
+          <a:fontRef idx="minor">
+            <a:schemeClr val="tx1"/>
+          </a:fontRef>
+        </p:style>
+      </p:cxnSp>
+      <p:cxnSp>
+        <p:nvCxnSpPr>
+          <p:cNvPr id="29" name="Straight Connector 28">
+            <a:extLst>
+              <a:ext uri="{FF2B5EF4-FFF2-40B4-BE49-F238E27FC236}">
+                <a16:creationId xmlns:a16="http://schemas.microsoft.com/office/drawing/2014/main" id="{18D91C2B-BDB9-49BE-9C44-E0CFE597ABFE}"/>
+              </a:ext>
+              <a:ext uri="{C183D7F6-B498-43B3-948B-1728B52AA6E4}">
+                <adec:decorative xmlns:adec="http://schemas.microsoft.com/office/drawing/2017/decorative" val="1"/>
+              </a:ext>
+            </a:extLst>
+          </p:cNvPr>
+          <p:cNvCxnSpPr>
+            <a:cxnSpLocks noGrp="1" noRot="1" noChangeAspect="1" noMove="1" noResize="1" noEditPoints="1" noAdjustHandles="1" noChangeArrowheads="1" noChangeShapeType="1"/>
+          </p:cNvCxnSpPr>
+          <p:nvPr>
+            <p:extLst>
+              <p:ext uri="{386F3935-93C4-4BCD-93E2-E3B085C9AB24}">
+                <p16:designElem xmlns:p16="http://schemas.microsoft.com/office/powerpoint/2015/main" val="1"/>
+              </p:ext>
+            </p:extLst>
+          </p:nvPr>
+        </p:nvCxnSpPr>
+        <p:spPr>
+          <a:xfrm>
+            <a:off x="800100" y="6134100"/>
+            <a:ext cx="10591800" cy="0"/>
+          </a:xfrm>
+          <a:prstGeom prst="line">
+            <a:avLst/>
+          </a:prstGeom>
+          <a:ln w="12700">
+            <a:solidFill>
+              <a:schemeClr val="bg2"/>
+            </a:solidFill>
+          </a:ln>
+        </p:spPr>
+        <p:style>
+          <a:lnRef idx="1">
+            <a:schemeClr val="accent1"/>
+          </a:lnRef>
+          <a:fillRef idx="0">
+            <a:schemeClr val="accent1"/>
+          </a:fillRef>
+          <a:effectRef idx="0">
+            <a:schemeClr val="accent1"/>
+          </a:effectRef>
+          <a:fontRef idx="minor">
+            <a:schemeClr val="tx1"/>
+          </a:fontRef>
+        </p:style>
+      </p:cxnSp>
+      <p:sp>
+        <p:nvSpPr>
+          <p:cNvPr id="3" name="Retângulo 2">
+            <a:extLst>
+              <a:ext uri="{FF2B5EF4-FFF2-40B4-BE49-F238E27FC236}">
+                <a16:creationId xmlns:a16="http://schemas.microsoft.com/office/drawing/2014/main" id="{D54F8DD5-16C6-1DB9-E017-349194215F5D}"/>
+              </a:ext>
+            </a:extLst>
+          </p:cNvPr>
+          <p:cNvSpPr/>
+          <p:nvPr/>
+        </p:nvSpPr>
+        <p:spPr>
+          <a:xfrm>
+            <a:off x="916310" y="2031209"/>
+            <a:ext cx="1038387" cy="929897"/>
+          </a:xfrm>
+          <a:prstGeom prst="rect">
+            <a:avLst/>
+          </a:prstGeom>
+          <a:solidFill>
+            <a:srgbClr val="EC800E"/>
+          </a:solidFill>
+          <a:ln>
+            <a:noFill/>
+          </a:ln>
+        </p:spPr>
+        <p:style>
+          <a:lnRef idx="2">
+            <a:schemeClr val="accent1">
+              <a:shade val="50000"/>
+            </a:schemeClr>
+          </a:lnRef>
+          <a:fillRef idx="1">
+            <a:schemeClr val="accent1"/>
+          </a:fillRef>
+          <a:effectRef idx="0">
+            <a:schemeClr val="accent1"/>
+          </a:effectRef>
+          <a:fontRef idx="minor">
+            <a:schemeClr val="lt1"/>
+          </a:fontRef>
+        </p:style>
+        <p:txBody>
+          <a:bodyPr rtlCol="0" anchor="ctr"/>
+          <a:lstStyle/>
+          <a:p>
+            <a:pPr algn="ctr"/>
+            <a:endParaRPr lang="pt-BR"/>
+          </a:p>
+        </p:txBody>
+      </p:sp>
+      <p:sp>
+        <p:nvSpPr>
+          <p:cNvPr id="9" name="Retângulo 8">
+            <a:extLst>
+              <a:ext uri="{FF2B5EF4-FFF2-40B4-BE49-F238E27FC236}">
+                <a16:creationId xmlns:a16="http://schemas.microsoft.com/office/drawing/2014/main" id="{140C0923-E4B8-B9A4-FFD7-F1D4C1A4D84B}"/>
+              </a:ext>
+            </a:extLst>
+          </p:cNvPr>
+          <p:cNvSpPr/>
+          <p:nvPr/>
+        </p:nvSpPr>
+        <p:spPr>
+          <a:xfrm>
+            <a:off x="916310" y="3243178"/>
+            <a:ext cx="1038387" cy="929897"/>
+          </a:xfrm>
+          <a:prstGeom prst="rect">
+            <a:avLst/>
+          </a:prstGeom>
+          <a:solidFill>
+            <a:srgbClr val="1B2631"/>
+          </a:solidFill>
+          <a:ln>
+            <a:noFill/>
+          </a:ln>
+        </p:spPr>
+        <p:style>
+          <a:lnRef idx="2">
+            <a:schemeClr val="accent1">
+              <a:shade val="50000"/>
+            </a:schemeClr>
+          </a:lnRef>
+          <a:fillRef idx="1">
+            <a:schemeClr val="accent1"/>
+          </a:fillRef>
+          <a:effectRef idx="0">
+            <a:schemeClr val="accent1"/>
+          </a:effectRef>
+          <a:fontRef idx="minor">
+            <a:schemeClr val="lt1"/>
+          </a:fontRef>
+        </p:style>
+        <p:txBody>
+          <a:bodyPr rtlCol="0" anchor="ctr"/>
+          <a:lstStyle/>
+          <a:p>
+            <a:pPr algn="ctr"/>
+            <a:endParaRPr lang="pt-BR"/>
+          </a:p>
+        </p:txBody>
+      </p:sp>
+      <p:sp>
+        <p:nvSpPr>
+          <p:cNvPr id="10" name="Retângulo 9">
+            <a:extLst>
+              <a:ext uri="{FF2B5EF4-FFF2-40B4-BE49-F238E27FC236}">
+                <a16:creationId xmlns:a16="http://schemas.microsoft.com/office/drawing/2014/main" id="{B3D973B0-EBA9-9767-7BB6-651C7EA1F770}"/>
+              </a:ext>
+            </a:extLst>
+          </p:cNvPr>
+          <p:cNvSpPr/>
+          <p:nvPr/>
+        </p:nvSpPr>
+        <p:spPr>
+          <a:xfrm>
+            <a:off x="916310" y="4497666"/>
+            <a:ext cx="1038387" cy="929897"/>
+          </a:xfrm>
+          <a:prstGeom prst="rect">
+            <a:avLst/>
+          </a:prstGeom>
+          <a:solidFill>
+            <a:srgbClr val="5A0002"/>
+          </a:solidFill>
+          <a:ln>
+            <a:noFill/>
+          </a:ln>
+        </p:spPr>
+        <p:style>
+          <a:lnRef idx="2">
+            <a:schemeClr val="accent1">
+              <a:shade val="50000"/>
+            </a:schemeClr>
+          </a:lnRef>
+          <a:fillRef idx="1">
+            <a:schemeClr val="accent1"/>
+          </a:fillRef>
+          <a:effectRef idx="0">
+            <a:schemeClr val="accent1"/>
+          </a:effectRef>
+          <a:fontRef idx="minor">
+            <a:schemeClr val="lt1"/>
+          </a:fontRef>
+        </p:style>
+        <p:txBody>
+          <a:bodyPr rtlCol="0" anchor="ctr"/>
+          <a:lstStyle/>
+          <a:p>
+            <a:pPr algn="ctr"/>
+            <a:endParaRPr lang="pt-BR"/>
+          </a:p>
+        </p:txBody>
+      </p:sp>
+      <p:sp>
+        <p:nvSpPr>
+          <p:cNvPr id="11" name="Retângulo 10">
+            <a:extLst>
+              <a:ext uri="{FF2B5EF4-FFF2-40B4-BE49-F238E27FC236}">
+                <a16:creationId xmlns:a16="http://schemas.microsoft.com/office/drawing/2014/main" id="{673F18CB-087F-FBBB-5C25-88507EB7B473}"/>
+              </a:ext>
+            </a:extLst>
+          </p:cNvPr>
+          <p:cNvSpPr/>
+          <p:nvPr/>
+        </p:nvSpPr>
+        <p:spPr>
+          <a:xfrm>
+            <a:off x="7362721" y="2031208"/>
+            <a:ext cx="1038387" cy="929897"/>
+          </a:xfrm>
+          <a:prstGeom prst="rect">
+            <a:avLst/>
+          </a:prstGeom>
+          <a:solidFill>
+            <a:schemeClr val="bg2"/>
+          </a:solidFill>
+          <a:ln>
+            <a:noFill/>
+          </a:ln>
+        </p:spPr>
+        <p:style>
+          <a:lnRef idx="2">
+            <a:schemeClr val="accent1">
+              <a:shade val="50000"/>
+            </a:schemeClr>
+          </a:lnRef>
+          <a:fillRef idx="1">
+            <a:schemeClr val="accent1"/>
+          </a:fillRef>
+          <a:effectRef idx="0">
+            <a:schemeClr val="accent1"/>
+          </a:effectRef>
+          <a:fontRef idx="minor">
+            <a:schemeClr val="lt1"/>
+          </a:fontRef>
+        </p:style>
+        <p:txBody>
+          <a:bodyPr rtlCol="0" anchor="ctr"/>
+          <a:lstStyle/>
+          <a:p>
+            <a:pPr algn="ctr"/>
+            <a:endParaRPr lang="pt-BR"/>
+          </a:p>
+        </p:txBody>
+      </p:sp>
+      <p:sp>
+        <p:nvSpPr>
+          <p:cNvPr id="14" name="Title 1">
+            <a:extLst>
+              <a:ext uri="{FF2B5EF4-FFF2-40B4-BE49-F238E27FC236}">
+                <a16:creationId xmlns:a16="http://schemas.microsoft.com/office/drawing/2014/main" id="{3E6C4D3E-AB2E-3320-45B9-76A26E1F9AEC}"/>
+              </a:ext>
+            </a:extLst>
+          </p:cNvPr>
+          <p:cNvSpPr txBox="1">
+            <a:spLocks/>
+          </p:cNvSpPr>
+          <p:nvPr/>
+        </p:nvSpPr>
+        <p:spPr>
+          <a:xfrm>
+            <a:off x="2078476" y="2170452"/>
+            <a:ext cx="2986705" cy="681506"/>
+          </a:xfrm>
+          <a:prstGeom prst="rect">
+            <a:avLst/>
+          </a:prstGeom>
+        </p:spPr>
+        <p:txBody>
+          <a:bodyPr vert="horz" lIns="91440" tIns="45720" rIns="91440" bIns="45720" rtlCol="0" anchor="b">
+            <a:noAutofit/>
+          </a:bodyPr>
+          <a:lstStyle>
+            <a:lvl1pPr algn="l" defTabSz="914400" rtl="0" eaLnBrk="1" latinLnBrk="0" hangingPunct="1">
+              <a:lnSpc>
+                <a:spcPct val="100000"/>
+              </a:lnSpc>
+              <a:spcBef>
+                <a:spcPct val="0"/>
+              </a:spcBef>
+              <a:buNone/>
+              <a:defRPr sz="4000" kern="1200" cap="all" spc="30" baseline="0">
+                <a:solidFill>
+                  <a:schemeClr val="tx1"/>
+                </a:solidFill>
+                <a:latin typeface="+mj-lt"/>
+                <a:ea typeface="+mj-ea"/>
+                <a:cs typeface="+mj-cs"/>
+              </a:defRPr>
+            </a:lvl1pPr>
+          </a:lstStyle>
+          <a:p>
+            <a:r>
+              <a:rPr lang="en-US" sz="4800" dirty="0">
+                <a:solidFill>
+                  <a:schemeClr val="bg2"/>
+                </a:solidFill>
+              </a:rPr>
+              <a:t>#EC800e</a:t>
+            </a:r>
+          </a:p>
+        </p:txBody>
+      </p:sp>
+      <p:sp>
+        <p:nvSpPr>
+          <p:cNvPr id="16" name="Title 1">
+            <a:extLst>
+              <a:ext uri="{FF2B5EF4-FFF2-40B4-BE49-F238E27FC236}">
+                <a16:creationId xmlns:a16="http://schemas.microsoft.com/office/drawing/2014/main" id="{0D839A0A-E0D5-9193-8DB9-C1637CA5B6D2}"/>
+              </a:ext>
+            </a:extLst>
+          </p:cNvPr>
+          <p:cNvSpPr txBox="1">
+            <a:spLocks/>
+          </p:cNvSpPr>
+          <p:nvPr/>
+        </p:nvSpPr>
+        <p:spPr>
+          <a:xfrm>
+            <a:off x="2078477" y="3222830"/>
+            <a:ext cx="2986704" cy="912421"/>
+          </a:xfrm>
+          <a:prstGeom prst="rect">
+            <a:avLst/>
+          </a:prstGeom>
+        </p:spPr>
+        <p:txBody>
+          <a:bodyPr vert="horz" lIns="91440" tIns="45720" rIns="91440" bIns="45720" rtlCol="0" anchor="b">
+            <a:noAutofit/>
+          </a:bodyPr>
+          <a:lstStyle>
+            <a:lvl1pPr algn="l" defTabSz="914400" rtl="0" eaLnBrk="1" latinLnBrk="0" hangingPunct="1">
+              <a:lnSpc>
+                <a:spcPct val="100000"/>
+              </a:lnSpc>
+              <a:spcBef>
+                <a:spcPct val="0"/>
+              </a:spcBef>
+              <a:buNone/>
+              <a:defRPr sz="4000" kern="1200" cap="all" spc="30" baseline="0">
+                <a:solidFill>
+                  <a:schemeClr val="tx1"/>
+                </a:solidFill>
+                <a:latin typeface="+mj-lt"/>
+                <a:ea typeface="+mj-ea"/>
+                <a:cs typeface="+mj-cs"/>
+              </a:defRPr>
+            </a:lvl1pPr>
+          </a:lstStyle>
+          <a:p>
+            <a:r>
+              <a:rPr lang="en-US" sz="4800" dirty="0">
+                <a:solidFill>
+                  <a:schemeClr val="bg2"/>
+                </a:solidFill>
+              </a:rPr>
+              <a:t>#1B2631</a:t>
+            </a:r>
+          </a:p>
+        </p:txBody>
+      </p:sp>
+      <p:sp>
+        <p:nvSpPr>
+          <p:cNvPr id="18" name="CaixaDeTexto 17">
+            <a:extLst>
+              <a:ext uri="{FF2B5EF4-FFF2-40B4-BE49-F238E27FC236}">
+                <a16:creationId xmlns:a16="http://schemas.microsoft.com/office/drawing/2014/main" id="{20C3812B-FB97-0BFA-CB3D-BFE3A02D045E}"/>
+              </a:ext>
+            </a:extLst>
+          </p:cNvPr>
+          <p:cNvSpPr txBox="1"/>
+          <p:nvPr/>
+        </p:nvSpPr>
+        <p:spPr>
+          <a:xfrm>
+            <a:off x="2078476" y="4497666"/>
+            <a:ext cx="3214235" cy="830997"/>
+          </a:xfrm>
+          <a:prstGeom prst="rect">
+            <a:avLst/>
+          </a:prstGeom>
+          <a:noFill/>
+        </p:spPr>
+        <p:txBody>
+          <a:bodyPr wrap="square">
+            <a:spAutoFit/>
+          </a:bodyPr>
+          <a:lstStyle/>
+          <a:p>
+            <a:r>
+              <a:rPr lang="en-US" sz="4800" dirty="0">
+                <a:solidFill>
+                  <a:schemeClr val="bg2"/>
+                </a:solidFill>
+                <a:latin typeface="+mj-lt"/>
+              </a:rPr>
+              <a:t>#5A0002</a:t>
+            </a:r>
+            <a:endParaRPr lang="pt-BR" sz="4800" dirty="0">
+              <a:latin typeface="+mj-lt"/>
+            </a:endParaRPr>
+          </a:p>
+        </p:txBody>
+      </p:sp>
+      <p:sp>
+        <p:nvSpPr>
+          <p:cNvPr id="20" name="CaixaDeTexto 19">
+            <a:extLst>
+              <a:ext uri="{FF2B5EF4-FFF2-40B4-BE49-F238E27FC236}">
+                <a16:creationId xmlns:a16="http://schemas.microsoft.com/office/drawing/2014/main" id="{C3898BFF-6898-3C03-F82B-B541F0520783}"/>
+              </a:ext>
+            </a:extLst>
+          </p:cNvPr>
+          <p:cNvSpPr txBox="1"/>
+          <p:nvPr/>
+        </p:nvSpPr>
+        <p:spPr>
+          <a:xfrm>
+            <a:off x="8558407" y="2031208"/>
+            <a:ext cx="2986704" cy="830997"/>
+          </a:xfrm>
+          <a:prstGeom prst="rect">
+            <a:avLst/>
+          </a:prstGeom>
+          <a:noFill/>
+        </p:spPr>
+        <p:txBody>
+          <a:bodyPr wrap="square">
+            <a:spAutoFit/>
+          </a:bodyPr>
+          <a:lstStyle/>
+          <a:p>
+            <a:r>
+              <a:rPr lang="en-US" sz="4800" dirty="0">
+                <a:solidFill>
+                  <a:schemeClr val="bg2"/>
+                </a:solidFill>
+              </a:rPr>
+              <a:t>#FFFFFF</a:t>
+            </a:r>
+            <a:endParaRPr lang="pt-BR" sz="4800" dirty="0"/>
+          </a:p>
+        </p:txBody>
+      </p:sp>
+    </p:spTree>
+    <p:extLst>
+      <p:ext uri="{BB962C8B-B14F-4D97-AF65-F5344CB8AC3E}">
+        <p14:creationId xmlns:p14="http://schemas.microsoft.com/office/powerpoint/2010/main" val="3082840767"/>
+      </p:ext>
+    </p:extLst>
+  </p:cSld>
+  <p:clrMapOvr>
+    <a:masterClrMapping/>
+  </p:clrMapOvr>
+</p:sld>
+</file>
+
 <file path=ppt/slides/slide8.xml><?xml version="1.0" encoding="utf-8"?>
+<p:sld xmlns:a="http://schemas.openxmlformats.org/drawingml/2006/main" xmlns:r="http://schemas.openxmlformats.org/officeDocument/2006/relationships" xmlns:p="http://schemas.openxmlformats.org/presentationml/2006/main">
+  <p:cSld>
+    <p:bg>
+      <p:bgPr>
+        <a:solidFill>
+          <a:schemeClr val="bg1"/>
+        </a:solidFill>
+        <a:effectLst/>
+      </p:bgPr>
+    </p:bg>
+    <p:spTree>
+      <p:nvGrpSpPr>
+        <p:cNvPr id="1" name=""/>
+        <p:cNvGrpSpPr/>
+        <p:nvPr/>
+      </p:nvGrpSpPr>
+      <p:grpSpPr>
+        <a:xfrm>
+          <a:off x="0" y="0"/>
+          <a:ext cx="0" cy="0"/>
+          <a:chOff x="0" y="0"/>
+          <a:chExt cx="0" cy="0"/>
+        </a:xfrm>
+      </p:grpSpPr>
+      <p:cxnSp>
+        <p:nvCxnSpPr>
+          <p:cNvPr id="58" name="Straight Connector 57">
+            <a:extLst>
+              <a:ext uri="{FF2B5EF4-FFF2-40B4-BE49-F238E27FC236}">
+                <a16:creationId xmlns:a16="http://schemas.microsoft.com/office/drawing/2014/main" id="{F64F9B95-9045-48D2-B9F3-2927E98F54AA}"/>
+              </a:ext>
+              <a:ext uri="{C183D7F6-B498-43B3-948B-1728B52AA6E4}">
+                <adec:decorative xmlns:adec="http://schemas.microsoft.com/office/drawing/2017/decorative" val="1"/>
+              </a:ext>
+            </a:extLst>
+          </p:cNvPr>
+          <p:cNvCxnSpPr>
+            <a:cxnSpLocks noGrp="1" noRot="1" noChangeAspect="1" noMove="1" noResize="1" noEditPoints="1" noAdjustHandles="1" noChangeArrowheads="1" noChangeShapeType="1"/>
+          </p:cNvCxnSpPr>
+          <p:nvPr>
+            <p:extLst>
+              <p:ext uri="{386F3935-93C4-4BCD-93E2-E3B085C9AB24}">
+                <p16:designElem xmlns:p16="http://schemas.microsoft.com/office/powerpoint/2015/main" val="1"/>
+              </p:ext>
+            </p:extLst>
+          </p:nvPr>
+        </p:nvCxnSpPr>
+        <p:spPr>
+          <a:xfrm>
+            <a:off x="800100" y="723900"/>
+            <a:ext cx="10591800" cy="0"/>
+          </a:xfrm>
+          <a:prstGeom prst="line">
+            <a:avLst/>
+          </a:prstGeom>
+          <a:ln w="44450">
+            <a:solidFill>
+              <a:schemeClr val="tx1"/>
+            </a:solidFill>
+          </a:ln>
+        </p:spPr>
+        <p:style>
+          <a:lnRef idx="1">
+            <a:schemeClr val="accent1"/>
+          </a:lnRef>
+          <a:fillRef idx="0">
+            <a:schemeClr val="accent1"/>
+          </a:fillRef>
+          <a:effectRef idx="0">
+            <a:schemeClr val="accent1"/>
+          </a:effectRef>
+          <a:fontRef idx="minor">
+            <a:schemeClr val="tx1"/>
+          </a:fontRef>
+        </p:style>
+      </p:cxnSp>
+      <p:cxnSp>
+        <p:nvCxnSpPr>
+          <p:cNvPr id="60" name="Straight Connector 59">
+            <a:extLst>
+              <a:ext uri="{FF2B5EF4-FFF2-40B4-BE49-F238E27FC236}">
+                <a16:creationId xmlns:a16="http://schemas.microsoft.com/office/drawing/2014/main" id="{085AA86F-6A4D-4BCB-A045-D992CDC2959B}"/>
+              </a:ext>
+              <a:ext uri="{C183D7F6-B498-43B3-948B-1728B52AA6E4}">
+                <adec:decorative xmlns:adec="http://schemas.microsoft.com/office/drawing/2017/decorative" val="1"/>
+              </a:ext>
+            </a:extLst>
+          </p:cNvPr>
+          <p:cNvCxnSpPr>
+            <a:cxnSpLocks noGrp="1" noRot="1" noChangeAspect="1" noMove="1" noResize="1" noEditPoints="1" noAdjustHandles="1" noChangeArrowheads="1" noChangeShapeType="1"/>
+          </p:cNvCxnSpPr>
+          <p:nvPr>
+            <p:extLst>
+              <p:ext uri="{386F3935-93C4-4BCD-93E2-E3B085C9AB24}">
+                <p16:designElem xmlns:p16="http://schemas.microsoft.com/office/powerpoint/2015/main" val="1"/>
+              </p:ext>
+            </p:extLst>
+          </p:nvPr>
+        </p:nvCxnSpPr>
+        <p:spPr>
+          <a:xfrm>
+            <a:off x="800100" y="6142781"/>
+            <a:ext cx="10591800" cy="0"/>
+          </a:xfrm>
+          <a:prstGeom prst="line">
+            <a:avLst/>
+          </a:prstGeom>
+          <a:ln w="12700">
+            <a:solidFill>
+              <a:schemeClr val="tx1"/>
+            </a:solidFill>
+          </a:ln>
+        </p:spPr>
+        <p:style>
+          <a:lnRef idx="1">
+            <a:schemeClr val="accent1"/>
+          </a:lnRef>
+          <a:fillRef idx="0">
+            <a:schemeClr val="accent1"/>
+          </a:fillRef>
+          <a:effectRef idx="0">
+            <a:schemeClr val="accent1"/>
+          </a:effectRef>
+          <a:fontRef idx="minor">
+            <a:schemeClr val="tx1"/>
+          </a:fontRef>
+        </p:style>
+      </p:cxnSp>
+      <p:sp useBgFill="1">
+        <p:nvSpPr>
+          <p:cNvPr id="62" name="Rectangle 61">
+            <a:extLst>
+              <a:ext uri="{FF2B5EF4-FFF2-40B4-BE49-F238E27FC236}">
+                <a16:creationId xmlns:a16="http://schemas.microsoft.com/office/drawing/2014/main" id="{74ABF6B1-3A9A-4CEE-889E-0D96AB03A7D5}"/>
+              </a:ext>
+              <a:ext uri="{C183D7F6-B498-43B3-948B-1728B52AA6E4}">
+                <adec:decorative xmlns:adec="http://schemas.microsoft.com/office/drawing/2017/decorative" val="1"/>
+              </a:ext>
+            </a:extLst>
+          </p:cNvPr>
+          <p:cNvSpPr>
+            <a:spLocks noGrp="1" noRot="1" noChangeAspect="1" noMove="1" noResize="1" noEditPoints="1" noAdjustHandles="1" noChangeArrowheads="1" noChangeShapeType="1" noTextEdit="1"/>
+          </p:cNvSpPr>
+          <p:nvPr>
+            <p:extLst>
+              <p:ext uri="{386F3935-93C4-4BCD-93E2-E3B085C9AB24}">
+                <p16:designElem xmlns:p16="http://schemas.microsoft.com/office/powerpoint/2015/main" val="1"/>
+              </p:ext>
+            </p:extLst>
+          </p:nvPr>
+        </p:nvSpPr>
+        <p:spPr>
+          <a:xfrm>
+            <a:off x="0" y="0"/>
+            <a:ext cx="12192000" cy="6858000"/>
+          </a:xfrm>
+          <a:prstGeom prst="rect">
+            <a:avLst/>
+          </a:prstGeom>
+          <a:ln w="12700" cap="flat" cmpd="sng" algn="ctr">
+            <a:noFill/>
+            <a:prstDash val="solid"/>
+            <a:miter lim="800000"/>
+          </a:ln>
+          <a:effectLst/>
+          <a:extLst>
+            <a:ext uri="{91240B29-F687-4F45-9708-019B960494DF}">
+              <a14:hiddenLine xmlns:a14="http://schemas.microsoft.com/office/drawing/2010/main" w="12700" cap="flat" cmpd="sng" algn="ctr">
+                <a:solidFill>
+                  <a:schemeClr val="accent1">
+                    <a:shade val="50000"/>
+                  </a:schemeClr>
+                </a:solidFill>
+                <a:prstDash val="solid"/>
+                <a:miter lim="800000"/>
+              </a14:hiddenLine>
+            </a:ext>
+          </a:extLst>
+        </p:spPr>
+        <p:style>
+          <a:lnRef idx="2">
+            <a:schemeClr val="accent1">
+              <a:shade val="50000"/>
+            </a:schemeClr>
+          </a:lnRef>
+          <a:fillRef idx="1">
+            <a:schemeClr val="accent1"/>
+          </a:fillRef>
+          <a:effectRef idx="0">
+            <a:schemeClr val="accent1"/>
+          </a:effectRef>
+          <a:fontRef idx="minor">
+            <a:schemeClr val="lt1"/>
+          </a:fontRef>
+        </p:style>
+        <p:txBody>
+          <a:bodyPr rtlCol="0" anchor="ctr"/>
+          <a:lstStyle/>
+          <a:p>
+            <a:pPr algn="ctr"/>
+            <a:endParaRPr lang="en-US"/>
+          </a:p>
+        </p:txBody>
+      </p:sp>
+      <p:sp>
+        <p:nvSpPr>
+          <p:cNvPr id="2" name="Title 1">
+            <a:extLst>
+              <a:ext uri="{FF2B5EF4-FFF2-40B4-BE49-F238E27FC236}">
+                <a16:creationId xmlns:a16="http://schemas.microsoft.com/office/drawing/2014/main" id="{615214CA-33E7-E330-9355-91A88FE1E1FF}"/>
+              </a:ext>
+            </a:extLst>
+          </p:cNvPr>
+          <p:cNvSpPr>
+            <a:spLocks noGrp="1"/>
+          </p:cNvSpPr>
+          <p:nvPr>
+            <p:ph type="title"/>
+          </p:nvPr>
+        </p:nvSpPr>
+        <p:spPr>
+          <a:xfrm>
+            <a:off x="695325" y="870597"/>
+            <a:ext cx="10848975" cy="1100559"/>
+          </a:xfrm>
+        </p:spPr>
+        <p:txBody>
+          <a:bodyPr vert="horz" lIns="91440" tIns="45720" rIns="91440" bIns="45720" rtlCol="0" anchor="t">
+            <a:normAutofit/>
+          </a:bodyPr>
+          <a:lstStyle/>
+          <a:p>
+            <a:r>
+              <a:rPr lang="en-US" sz="5400"/>
+              <a:t>Icones utilizados</a:t>
+            </a:r>
+          </a:p>
+        </p:txBody>
+      </p:sp>
+      <p:cxnSp>
+        <p:nvCxnSpPr>
+          <p:cNvPr id="64" name="Straight Connector 63">
+            <a:extLst>
+              <a:ext uri="{FF2B5EF4-FFF2-40B4-BE49-F238E27FC236}">
+                <a16:creationId xmlns:a16="http://schemas.microsoft.com/office/drawing/2014/main" id="{611CC0C8-C714-4135-84E8-4BC5A83F1A53}"/>
+              </a:ext>
+              <a:ext uri="{C183D7F6-B498-43B3-948B-1728B52AA6E4}">
+                <adec:decorative xmlns:adec="http://schemas.microsoft.com/office/drawing/2017/decorative" val="1"/>
+              </a:ext>
+            </a:extLst>
+          </p:cNvPr>
+          <p:cNvCxnSpPr>
+            <a:cxnSpLocks noGrp="1" noRot="1" noChangeAspect="1" noMove="1" noResize="1" noEditPoints="1" noAdjustHandles="1" noChangeArrowheads="1" noChangeShapeType="1"/>
+          </p:cNvCxnSpPr>
+          <p:nvPr>
+            <p:extLst>
+              <p:ext uri="{386F3935-93C4-4BCD-93E2-E3B085C9AB24}">
+                <p16:designElem xmlns:p16="http://schemas.microsoft.com/office/powerpoint/2015/main" val="1"/>
+              </p:ext>
+            </p:extLst>
+          </p:nvPr>
+        </p:nvCxnSpPr>
+        <p:spPr>
+          <a:xfrm>
+            <a:off x="800100" y="723900"/>
+            <a:ext cx="10591800" cy="0"/>
+          </a:xfrm>
+          <a:prstGeom prst="line">
+            <a:avLst/>
+          </a:prstGeom>
+          <a:ln w="44450">
+            <a:solidFill>
+              <a:schemeClr val="tx1"/>
+            </a:solidFill>
+          </a:ln>
+        </p:spPr>
+        <p:style>
+          <a:lnRef idx="1">
+            <a:schemeClr val="accent1"/>
+          </a:lnRef>
+          <a:fillRef idx="0">
+            <a:schemeClr val="accent1"/>
+          </a:fillRef>
+          <a:effectRef idx="0">
+            <a:schemeClr val="accent1"/>
+          </a:effectRef>
+          <a:fontRef idx="minor">
+            <a:schemeClr val="tx1"/>
+          </a:fontRef>
+        </p:style>
+      </p:cxnSp>
+      <p:pic>
+        <p:nvPicPr>
+          <p:cNvPr id="12" name="Imagem 11" descr="Uma imagem contendo Seta&#10;&#10;Descrição gerada automaticamente">
+            <a:extLst>
+              <a:ext uri="{FF2B5EF4-FFF2-40B4-BE49-F238E27FC236}">
+                <a16:creationId xmlns:a16="http://schemas.microsoft.com/office/drawing/2014/main" id="{787E08C1-4A55-743C-D1C0-A42C8E1F9ADA}"/>
+              </a:ext>
+            </a:extLst>
+          </p:cNvPr>
+          <p:cNvPicPr>
+            <a:picLocks noChangeAspect="1"/>
+          </p:cNvPicPr>
+          <p:nvPr/>
+        </p:nvPicPr>
+        <p:blipFill>
+          <a:blip r:embed="rId2"/>
+          <a:stretch>
+            <a:fillRect/>
+          </a:stretch>
+        </p:blipFill>
+        <p:spPr>
+          <a:xfrm>
+            <a:off x="1064881" y="3048000"/>
+            <a:ext cx="2752969" cy="2752969"/>
+          </a:xfrm>
+          <a:prstGeom prst="rect">
+            <a:avLst/>
+          </a:prstGeom>
+        </p:spPr>
+      </p:pic>
+      <p:pic>
+        <p:nvPicPr>
+          <p:cNvPr id="5" name="Imagem 4" descr="Uma imagem contendo peças de metal, mesa, corrente, pequeno&#10;&#10;Descrição gerada automaticamente">
+            <a:extLst>
+              <a:ext uri="{FF2B5EF4-FFF2-40B4-BE49-F238E27FC236}">
+                <a16:creationId xmlns:a16="http://schemas.microsoft.com/office/drawing/2014/main" id="{AFBA3EE1-DBBD-1EDE-AC25-060C8CB0D7B2}"/>
+              </a:ext>
+            </a:extLst>
+          </p:cNvPr>
+          <p:cNvPicPr>
+            <a:picLocks noChangeAspect="1"/>
+          </p:cNvPicPr>
+          <p:nvPr/>
+        </p:nvPicPr>
+        <p:blipFill rotWithShape="1">
+          <a:blip r:embed="rId3"/>
+          <a:srcRect r="2" b="6260"/>
+          <a:stretch/>
+        </p:blipFill>
+        <p:spPr>
+          <a:xfrm>
+            <a:off x="4627623" y="3038231"/>
+            <a:ext cx="2936754" cy="2752969"/>
+          </a:xfrm>
+          <a:prstGeom prst="rect">
+            <a:avLst/>
+          </a:prstGeom>
+        </p:spPr>
+      </p:pic>
+      <p:pic>
+        <p:nvPicPr>
+          <p:cNvPr id="7" name="Imagem 6" descr="Forma&#10;&#10;Descrição gerada automaticamente com confiança baixa">
+            <a:extLst>
+              <a:ext uri="{FF2B5EF4-FFF2-40B4-BE49-F238E27FC236}">
+                <a16:creationId xmlns:a16="http://schemas.microsoft.com/office/drawing/2014/main" id="{672FEEC4-A5E8-0D36-8F0B-BAD49839FF45}"/>
+              </a:ext>
+            </a:extLst>
+          </p:cNvPr>
+          <p:cNvPicPr>
+            <a:picLocks noChangeAspect="1"/>
+          </p:cNvPicPr>
+          <p:nvPr/>
+        </p:nvPicPr>
+        <p:blipFill>
+          <a:blip r:embed="rId4"/>
+          <a:stretch>
+            <a:fillRect/>
+          </a:stretch>
+        </p:blipFill>
+        <p:spPr>
+          <a:xfrm>
+            <a:off x="8385707" y="3048000"/>
+            <a:ext cx="2752969" cy="2752969"/>
+          </a:xfrm>
+          <a:prstGeom prst="rect">
+            <a:avLst/>
+          </a:prstGeom>
+        </p:spPr>
+      </p:pic>
+      <p:cxnSp>
+        <p:nvCxnSpPr>
+          <p:cNvPr id="66" name="Straight Connector 65">
+            <a:extLst>
+              <a:ext uri="{FF2B5EF4-FFF2-40B4-BE49-F238E27FC236}">
+                <a16:creationId xmlns:a16="http://schemas.microsoft.com/office/drawing/2014/main" id="{A0AFDA3D-3C0B-4E18-B444-F11410C378C9}"/>
+              </a:ext>
+              <a:ext uri="{C183D7F6-B498-43B3-948B-1728B52AA6E4}">
+                <adec:decorative xmlns:adec="http://schemas.microsoft.com/office/drawing/2017/decorative" val="1"/>
+              </a:ext>
+            </a:extLst>
+          </p:cNvPr>
+          <p:cNvCxnSpPr>
+            <a:cxnSpLocks noGrp="1" noRot="1" noChangeAspect="1" noMove="1" noResize="1" noEditPoints="1" noAdjustHandles="1" noChangeArrowheads="1" noChangeShapeType="1"/>
+          </p:cNvCxnSpPr>
+          <p:nvPr>
+            <p:extLst>
+              <p:ext uri="{386F3935-93C4-4BCD-93E2-E3B085C9AB24}">
+                <p16:designElem xmlns:p16="http://schemas.microsoft.com/office/powerpoint/2015/main" val="1"/>
+              </p:ext>
+            </p:extLst>
+          </p:nvPr>
+        </p:nvCxnSpPr>
+        <p:spPr>
+          <a:xfrm>
+            <a:off x="800100" y="6142781"/>
+            <a:ext cx="10591800" cy="0"/>
+          </a:xfrm>
+          <a:prstGeom prst="line">
+            <a:avLst/>
+          </a:prstGeom>
+          <a:ln w="12700">
+            <a:solidFill>
+              <a:schemeClr val="tx1"/>
+            </a:solidFill>
+          </a:ln>
+        </p:spPr>
+        <p:style>
+          <a:lnRef idx="1">
+            <a:schemeClr val="accent1"/>
+          </a:lnRef>
+          <a:fillRef idx="0">
+            <a:schemeClr val="accent1"/>
+          </a:fillRef>
+          <a:effectRef idx="0">
+            <a:schemeClr val="accent1"/>
+          </a:effectRef>
+          <a:fontRef idx="minor">
+            <a:schemeClr val="tx1"/>
+          </a:fontRef>
+        </p:style>
+      </p:cxnSp>
+      <p:sp>
+        <p:nvSpPr>
+          <p:cNvPr id="14" name="Title 1">
+            <a:extLst>
+              <a:ext uri="{FF2B5EF4-FFF2-40B4-BE49-F238E27FC236}">
+                <a16:creationId xmlns:a16="http://schemas.microsoft.com/office/drawing/2014/main" id="{3E6C4D3E-AB2E-3320-45B9-76A26E1F9AEC}"/>
+              </a:ext>
+            </a:extLst>
+          </p:cNvPr>
+          <p:cNvSpPr txBox="1">
+            <a:spLocks/>
+          </p:cNvSpPr>
+          <p:nvPr/>
+        </p:nvSpPr>
+        <p:spPr>
+          <a:xfrm>
+            <a:off x="2078476" y="2170452"/>
+            <a:ext cx="2986705" cy="681506"/>
+          </a:xfrm>
+          <a:prstGeom prst="rect">
+            <a:avLst/>
+          </a:prstGeom>
+        </p:spPr>
+        <p:txBody>
+          <a:bodyPr vert="horz" lIns="91440" tIns="45720" rIns="91440" bIns="45720" rtlCol="0" anchor="b">
+            <a:noAutofit/>
+          </a:bodyPr>
+          <a:lstStyle>
+            <a:lvl1pPr algn="l" defTabSz="914400" rtl="0" eaLnBrk="1" latinLnBrk="0" hangingPunct="1">
+              <a:lnSpc>
+                <a:spcPct val="100000"/>
+              </a:lnSpc>
+              <a:spcBef>
+                <a:spcPct val="0"/>
+              </a:spcBef>
+              <a:buNone/>
+              <a:defRPr sz="4000" kern="1200" cap="all" spc="30" baseline="0">
+                <a:solidFill>
+                  <a:schemeClr val="tx1"/>
+                </a:solidFill>
+                <a:latin typeface="+mj-lt"/>
+                <a:ea typeface="+mj-ea"/>
+                <a:cs typeface="+mj-cs"/>
+              </a:defRPr>
+            </a:lvl1pPr>
+          </a:lstStyle>
+          <a:p>
+            <a:endParaRPr lang="en-US" sz="4800" dirty="0">
+              <a:solidFill>
+                <a:schemeClr val="bg2"/>
+              </a:solidFill>
+            </a:endParaRPr>
+          </a:p>
+        </p:txBody>
+      </p:sp>
+      <p:sp>
+        <p:nvSpPr>
+          <p:cNvPr id="16" name="Title 1">
+            <a:extLst>
+              <a:ext uri="{FF2B5EF4-FFF2-40B4-BE49-F238E27FC236}">
+                <a16:creationId xmlns:a16="http://schemas.microsoft.com/office/drawing/2014/main" id="{0D839A0A-E0D5-9193-8DB9-C1637CA5B6D2}"/>
+              </a:ext>
+            </a:extLst>
+          </p:cNvPr>
+          <p:cNvSpPr txBox="1">
+            <a:spLocks/>
+          </p:cNvSpPr>
+          <p:nvPr/>
+        </p:nvSpPr>
+        <p:spPr>
+          <a:xfrm>
+            <a:off x="2078477" y="3222830"/>
+            <a:ext cx="2986704" cy="912421"/>
+          </a:xfrm>
+          <a:prstGeom prst="rect">
+            <a:avLst/>
+          </a:prstGeom>
+        </p:spPr>
+        <p:txBody>
+          <a:bodyPr vert="horz" lIns="91440" tIns="45720" rIns="91440" bIns="45720" rtlCol="0" anchor="b">
+            <a:noAutofit/>
+          </a:bodyPr>
+          <a:lstStyle>
+            <a:lvl1pPr algn="l" defTabSz="914400" rtl="0" eaLnBrk="1" latinLnBrk="0" hangingPunct="1">
+              <a:lnSpc>
+                <a:spcPct val="100000"/>
+              </a:lnSpc>
+              <a:spcBef>
+                <a:spcPct val="0"/>
+              </a:spcBef>
+              <a:buNone/>
+              <a:defRPr sz="4000" kern="1200" cap="all" spc="30" baseline="0">
+                <a:solidFill>
+                  <a:schemeClr val="tx1"/>
+                </a:solidFill>
+                <a:latin typeface="+mj-lt"/>
+                <a:ea typeface="+mj-ea"/>
+                <a:cs typeface="+mj-cs"/>
+              </a:defRPr>
+            </a:lvl1pPr>
+          </a:lstStyle>
+          <a:p>
+            <a:endParaRPr lang="en-US" sz="4800" dirty="0">
+              <a:solidFill>
+                <a:schemeClr val="bg2"/>
+              </a:solidFill>
+            </a:endParaRPr>
+          </a:p>
+        </p:txBody>
+      </p:sp>
+    </p:spTree>
+    <p:extLst>
+      <p:ext uri="{BB962C8B-B14F-4D97-AF65-F5344CB8AC3E}">
+        <p14:creationId xmlns:p14="http://schemas.microsoft.com/office/powerpoint/2010/main" val="3900984582"/>
+      </p:ext>
+    </p:extLst>
+  </p:cSld>
+  <p:clrMapOvr>
+    <a:masterClrMapping/>
+  </p:clrMapOvr>
+</p:sld>
+</file>
+
+<file path=ppt/slides/slide9.xml><?xml version="1.0" encoding="utf-8"?>
 <p:sld xmlns:a="http://schemas.openxmlformats.org/drawingml/2006/main" xmlns:r="http://schemas.openxmlformats.org/officeDocument/2006/relationships" xmlns:p="http://schemas.openxmlformats.org/presentationml/2006/main">
   <p:cSld>
     <p:bg>

--- a/T.I/Lost Music.pptx
+++ b/T.I/Lost Music.pptx
@@ -133,6 +133,7 @@
 <p1510:revInfo xmlns:a="http://schemas.openxmlformats.org/drawingml/2006/main" xmlns:r="http://schemas.openxmlformats.org/officeDocument/2006/relationships" xmlns:p1510="http://schemas.microsoft.com/office/powerpoint/2015/10/main">
   <p1510:revLst>
     <p1510:client id="{7F7783F1-D2B5-4DF3-9F73-BBFAAD214AB0}" v="422" dt="2022-06-02T16:49:42.482"/>
+    <p1510:client id="{B3BD08DF-1DEF-4BAF-8510-8603F2ECEF6B}" v="81" dt="2022-06-06T16:05:26.250"/>
   </p1510:revLst>
 </p1510:revInfo>
 </file>
@@ -231,7 +232,7 @@
           <a:p>
             <a:fld id="{1A768782-1892-4033-B3F1-B430C15EFDE6}" type="datetimeFigureOut">
               <a:rPr lang="pt-BR" smtClean="0"/>
-              <a:t>05/06/2022</a:t>
+              <a:t>06/06/2022</a:t>
             </a:fld>
             <a:endParaRPr lang="pt-BR"/>
           </a:p>
@@ -409,7 +410,7 @@
           <a:p>
             <a:fld id="{F40F486B-199A-4784-901C-4DCE88BFC78A}" type="datetimeFigureOut">
               <a:rPr lang="pt-BR" noProof="0" smtClean="0"/>
-              <a:t>05/06/2022</a:t>
+              <a:t>06/06/2022</a:t>
             </a:fld>
             <a:endParaRPr lang="pt-BR" noProof="0"/>
           </a:p>
@@ -912,7 +913,7 @@
           <a:p>
             <a:fld id="{2F3E8B1C-86EF-43CF-8304-249481088644}" type="datetimeFigureOut">
               <a:rPr lang="en-US" smtClean="0"/>
-              <a:t>6/5/2022</a:t>
+              <a:t>6/6/2022</a:t>
             </a:fld>
             <a:endParaRPr lang="en-US"/>
           </a:p>
@@ -1110,7 +1111,7 @@
           <a:p>
             <a:fld id="{2F3E8B1C-86EF-43CF-8304-249481088644}" type="datetimeFigureOut">
               <a:rPr lang="en-US" smtClean="0"/>
-              <a:t>6/5/2022</a:t>
+              <a:t>6/6/2022</a:t>
             </a:fld>
             <a:endParaRPr lang="en-US"/>
           </a:p>
@@ -1318,7 +1319,7 @@
           <a:p>
             <a:fld id="{2F3E8B1C-86EF-43CF-8304-249481088644}" type="datetimeFigureOut">
               <a:rPr lang="en-US" smtClean="0"/>
-              <a:t>6/5/2022</a:t>
+              <a:t>6/6/2022</a:t>
             </a:fld>
             <a:endParaRPr lang="en-US"/>
           </a:p>
@@ -1516,7 +1517,7 @@
           <a:p>
             <a:fld id="{2F3E8B1C-86EF-43CF-8304-249481088644}" type="datetimeFigureOut">
               <a:rPr lang="en-US" smtClean="0"/>
-              <a:t>6/5/2022</a:t>
+              <a:t>6/6/2022</a:t>
             </a:fld>
             <a:endParaRPr lang="en-US"/>
           </a:p>
@@ -1791,7 +1792,7 @@
           <a:p>
             <a:fld id="{2F3E8B1C-86EF-43CF-8304-249481088644}" type="datetimeFigureOut">
               <a:rPr lang="en-US" smtClean="0"/>
-              <a:t>6/5/2022</a:t>
+              <a:t>6/6/2022</a:t>
             </a:fld>
             <a:endParaRPr lang="en-US"/>
           </a:p>
@@ -2061,7 +2062,7 @@
           <a:p>
             <a:fld id="{2F3E8B1C-86EF-43CF-8304-249481088644}" type="datetimeFigureOut">
               <a:rPr lang="en-US" smtClean="0"/>
-              <a:t>6/5/2022</a:t>
+              <a:t>6/6/2022</a:t>
             </a:fld>
             <a:endParaRPr lang="en-US"/>
           </a:p>
@@ -2481,7 +2482,7 @@
           <a:p>
             <a:fld id="{2F3E8B1C-86EF-43CF-8304-249481088644}" type="datetimeFigureOut">
               <a:rPr lang="en-US" smtClean="0"/>
-              <a:t>6/5/2022</a:t>
+              <a:t>6/6/2022</a:t>
             </a:fld>
             <a:endParaRPr lang="en-US"/>
           </a:p>
@@ -2622,7 +2623,7 @@
           <a:p>
             <a:fld id="{2F3E8B1C-86EF-43CF-8304-249481088644}" type="datetimeFigureOut">
               <a:rPr lang="en-US" smtClean="0"/>
-              <a:t>6/5/2022</a:t>
+              <a:t>6/6/2022</a:t>
             </a:fld>
             <a:endParaRPr lang="en-US"/>
           </a:p>
@@ -2735,7 +2736,7 @@
           <a:p>
             <a:fld id="{2F3E8B1C-86EF-43CF-8304-249481088644}" type="datetimeFigureOut">
               <a:rPr lang="en-US" smtClean="0"/>
-              <a:t>6/5/2022</a:t>
+              <a:t>6/6/2022</a:t>
             </a:fld>
             <a:endParaRPr lang="en-US"/>
           </a:p>
@@ -3046,7 +3047,7 @@
           <a:p>
             <a:fld id="{2F3E8B1C-86EF-43CF-8304-249481088644}" type="datetimeFigureOut">
               <a:rPr lang="en-US" smtClean="0"/>
-              <a:t>6/5/2022</a:t>
+              <a:t>6/6/2022</a:t>
             </a:fld>
             <a:endParaRPr lang="en-US"/>
           </a:p>
@@ -3334,7 +3335,7 @@
           <a:p>
             <a:fld id="{2F3E8B1C-86EF-43CF-8304-249481088644}" type="datetimeFigureOut">
               <a:rPr lang="en-US" smtClean="0"/>
-              <a:t>6/5/2022</a:t>
+              <a:t>6/6/2022</a:t>
             </a:fld>
             <a:endParaRPr lang="en-US"/>
           </a:p>
@@ -3575,7 +3576,7 @@
             <a:fld id="{2F3E8B1C-86EF-43CF-8304-249481088644}" type="datetimeFigureOut">
               <a:rPr lang="en-US" smtClean="0"/>
               <a:pPr/>
-              <a:t>6/5/2022</a:t>
+              <a:t>6/6/2022</a:t>
             </a:fld>
             <a:endParaRPr lang="en-US" dirty="0"/>
           </a:p>
@@ -4801,7 +4802,7 @@
                   <a:srgbClr val="FFFFFF"/>
                 </a:solidFill>
               </a:rPr>
-              <a:t>? </a:t>
+              <a:t>?</a:t>
             </a:r>
             <a:br>
               <a:rPr lang="en-US" sz="5400" dirty="0"/>
@@ -4912,6 +4913,165 @@
           </a:fontRef>
         </p:style>
       </p:cxnSp>
+      <p:sp>
+        <p:nvSpPr>
+          <p:cNvPr id="3" name="CaixaDeTexto 2">
+            <a:extLst>
+              <a:ext uri="{FF2B5EF4-FFF2-40B4-BE49-F238E27FC236}">
+                <a16:creationId xmlns:a16="http://schemas.microsoft.com/office/drawing/2014/main" id="{35ABF3BC-FF8D-B8F6-BD8F-3D4418D76F12}"/>
+              </a:ext>
+            </a:extLst>
+          </p:cNvPr>
+          <p:cNvSpPr txBox="1"/>
+          <p:nvPr/>
+        </p:nvSpPr>
+        <p:spPr>
+          <a:xfrm>
+            <a:off x="224287" y="4235570"/>
+            <a:ext cx="4712898" cy="846386"/>
+          </a:xfrm>
+          <a:prstGeom prst="rect">
+            <a:avLst/>
+          </a:prstGeom>
+          <a:noFill/>
+        </p:spPr>
+        <p:txBody>
+          <a:bodyPr rot="0" spcFirstLastPara="0" vertOverflow="overflow" horzOverflow="overflow" vert="horz" wrap="square" lIns="91440" tIns="45720" rIns="91440" bIns="45720" numCol="1" spcCol="0" rtlCol="0" fromWordArt="0" anchor="t" anchorCtr="0" forceAA="0" compatLnSpc="1">
+            <a:prstTxWarp prst="textNoShape">
+              <a:avLst/>
+            </a:prstTxWarp>
+            <a:spAutoFit/>
+          </a:bodyPr>
+          <a:lstStyle/>
+          <a:p>
+            <a:pPr marL="685800" indent="-685800">
+              <a:buFont typeface="Arial"/>
+              <a:buChar char="•"/>
+            </a:pPr>
+            <a:r>
+              <a:rPr lang="en-US" sz="4900" cap="all" spc="30" dirty="0">
+                <a:solidFill>
+                  <a:srgbClr val="FFFFFF"/>
+                </a:solidFill>
+                <a:latin typeface="+mj-lt"/>
+                <a:ea typeface="+mj-ea"/>
+                <a:cs typeface="+mj-cs"/>
+              </a:rPr>
+              <a:t>Bom Humor</a:t>
+            </a:r>
+            <a:endParaRPr lang="pt-BR" dirty="0">
+              <a:ea typeface="+mj-ea"/>
+              <a:cs typeface="+mj-cs"/>
+            </a:endParaRPr>
+          </a:p>
+        </p:txBody>
+      </p:sp>
+      <p:sp>
+        <p:nvSpPr>
+          <p:cNvPr id="5" name="CaixaDeTexto 4">
+            <a:extLst>
+              <a:ext uri="{FF2B5EF4-FFF2-40B4-BE49-F238E27FC236}">
+                <a16:creationId xmlns:a16="http://schemas.microsoft.com/office/drawing/2014/main" id="{86479876-3601-EA68-E33C-6EC76872145E}"/>
+              </a:ext>
+            </a:extLst>
+          </p:cNvPr>
+          <p:cNvSpPr txBox="1"/>
+          <p:nvPr/>
+        </p:nvSpPr>
+        <p:spPr>
+          <a:xfrm>
+            <a:off x="224286" y="5155720"/>
+            <a:ext cx="4712898" cy="846386"/>
+          </a:xfrm>
+          <a:prstGeom prst="rect">
+            <a:avLst/>
+          </a:prstGeom>
+          <a:noFill/>
+        </p:spPr>
+        <p:txBody>
+          <a:bodyPr rot="0" spcFirstLastPara="0" vertOverflow="overflow" horzOverflow="overflow" vert="horz" wrap="square" lIns="91440" tIns="45720" rIns="91440" bIns="45720" numCol="1" spcCol="0" rtlCol="0" fromWordArt="0" anchor="t" anchorCtr="0" forceAA="0" compatLnSpc="1">
+            <a:prstTxWarp prst="textNoShape">
+              <a:avLst/>
+            </a:prstTxWarp>
+            <a:spAutoFit/>
+          </a:bodyPr>
+          <a:lstStyle/>
+          <a:p>
+            <a:pPr marL="685800" indent="-685800">
+              <a:buFont typeface="Arial"/>
+              <a:buChar char="•"/>
+            </a:pPr>
+            <a:r>
+              <a:rPr lang="en-US" sz="4900" cap="all" spc="30" dirty="0" err="1">
+                <a:solidFill>
+                  <a:srgbClr val="FFFFFF"/>
+                </a:solidFill>
+                <a:latin typeface="+mj-lt"/>
+                <a:ea typeface="+mj-ea"/>
+                <a:cs typeface="+mj-cs"/>
+              </a:rPr>
+              <a:t>empatia</a:t>
+            </a:r>
+            <a:endParaRPr lang="pt-BR" dirty="0" err="1">
+              <a:ea typeface="+mj-ea"/>
+              <a:cs typeface="+mj-cs"/>
+            </a:endParaRPr>
+          </a:p>
+        </p:txBody>
+      </p:sp>
+      <p:sp>
+        <p:nvSpPr>
+          <p:cNvPr id="6" name="CaixaDeTexto 5">
+            <a:extLst>
+              <a:ext uri="{FF2B5EF4-FFF2-40B4-BE49-F238E27FC236}">
+                <a16:creationId xmlns:a16="http://schemas.microsoft.com/office/drawing/2014/main" id="{AE0F5D44-103C-22F8-4500-C86644CD41AF}"/>
+              </a:ext>
+            </a:extLst>
+          </p:cNvPr>
+          <p:cNvSpPr txBox="1"/>
+          <p:nvPr/>
+        </p:nvSpPr>
+        <p:spPr>
+          <a:xfrm>
+            <a:off x="224287" y="6018362"/>
+            <a:ext cx="4712898" cy="846386"/>
+          </a:xfrm>
+          <a:prstGeom prst="rect">
+            <a:avLst/>
+          </a:prstGeom>
+          <a:noFill/>
+        </p:spPr>
+        <p:txBody>
+          <a:bodyPr rot="0" spcFirstLastPara="0" vertOverflow="overflow" horzOverflow="overflow" vert="horz" wrap="square" lIns="91440" tIns="45720" rIns="91440" bIns="45720" numCol="1" spcCol="0" rtlCol="0" fromWordArt="0" anchor="t" anchorCtr="0" forceAA="0" compatLnSpc="1">
+            <a:prstTxWarp prst="textNoShape">
+              <a:avLst/>
+            </a:prstTxWarp>
+            <a:spAutoFit/>
+          </a:bodyPr>
+          <a:lstStyle/>
+          <a:p>
+            <a:pPr marL="685800" indent="-685800">
+              <a:buFont typeface="Arial"/>
+              <a:buChar char="•"/>
+            </a:pPr>
+            <a:r>
+              <a:rPr lang="en-US" sz="4900" cap="all" spc="30" dirty="0" err="1">
+                <a:solidFill>
+                  <a:srgbClr val="FFFFFF"/>
+                </a:solidFill>
+                <a:latin typeface="+mj-lt"/>
+                <a:ea typeface="+mj-ea"/>
+                <a:cs typeface="+mj-cs"/>
+              </a:rPr>
+              <a:t>Sinceridade</a:t>
+            </a:r>
+            <a:endParaRPr lang="pt-BR" dirty="0" err="1">
+              <a:ea typeface="+mj-ea"/>
+              <a:cs typeface="+mj-cs"/>
+            </a:endParaRPr>
+          </a:p>
+        </p:txBody>
+      </p:sp>
     </p:spTree>
     <p:extLst>
       <p:ext uri="{BB962C8B-B14F-4D97-AF65-F5344CB8AC3E}">
@@ -4922,6 +5082,176 @@
   <p:clrMapOvr>
     <a:masterClrMapping/>
   </p:clrMapOvr>
+  <p:timing>
+    <p:tnLst>
+      <p:par>
+        <p:cTn id="1" dur="indefinite" restart="never" nodeType="tmRoot">
+          <p:childTnLst>
+            <p:seq concurrent="1" nextAc="seek">
+              <p:cTn id="2" dur="indefinite" nodeType="mainSeq">
+                <p:childTnLst>
+                  <p:par>
+                    <p:cTn id="3" fill="hold">
+                      <p:stCondLst>
+                        <p:cond delay="indefinite"/>
+                      </p:stCondLst>
+                      <p:childTnLst>
+                        <p:par>
+                          <p:cTn id="4" fill="hold">
+                            <p:stCondLst>
+                              <p:cond delay="0"/>
+                            </p:stCondLst>
+                            <p:childTnLst>
+                              <p:par>
+                                <p:cTn id="5" presetID="1" presetClass="entr" presetSubtype="0" fill="hold" grpId="0" nodeType="clickEffect">
+                                  <p:stCondLst>
+                                    <p:cond delay="0"/>
+                                  </p:stCondLst>
+                                  <p:childTnLst>
+                                    <p:set>
+                                      <p:cBhvr>
+                                        <p:cTn id="6" dur="1" fill="hold">
+                                          <p:stCondLst>
+                                            <p:cond delay="0"/>
+                                          </p:stCondLst>
+                                        </p:cTn>
+                                        <p:tgtEl>
+                                          <p:spTgt spid="3"/>
+                                        </p:tgtEl>
+                                        <p:attrNameLst>
+                                          <p:attrName>style.visibility</p:attrName>
+                                        </p:attrNameLst>
+                                      </p:cBhvr>
+                                      <p:to>
+                                        <p:strVal val="visible"/>
+                                      </p:to>
+                                    </p:set>
+                                  </p:childTnLst>
+                                </p:cTn>
+                              </p:par>
+                            </p:childTnLst>
+                          </p:cTn>
+                        </p:par>
+                      </p:childTnLst>
+                    </p:cTn>
+                  </p:par>
+                  <p:par>
+                    <p:cTn id="7" fill="hold">
+                      <p:stCondLst>
+                        <p:cond delay="indefinite"/>
+                      </p:stCondLst>
+                      <p:childTnLst>
+                        <p:par>
+                          <p:cTn id="8" fill="hold">
+                            <p:stCondLst>
+                              <p:cond delay="0"/>
+                            </p:stCondLst>
+                            <p:childTnLst>
+                              <p:par>
+                                <p:cTn id="9" presetID="1" presetClass="entr" presetSubtype="0" fill="hold" grpId="0" nodeType="clickEffect">
+                                  <p:stCondLst>
+                                    <p:cond delay="0"/>
+                                  </p:stCondLst>
+                                  <p:childTnLst>
+                                    <p:set>
+                                      <p:cBhvr>
+                                        <p:cTn id="10" dur="1" fill="hold">
+                                          <p:stCondLst>
+                                            <p:cond delay="0"/>
+                                          </p:stCondLst>
+                                        </p:cTn>
+                                        <p:tgtEl>
+                                          <p:spTgt spid="5"/>
+                                        </p:tgtEl>
+                                        <p:attrNameLst>
+                                          <p:attrName>style.visibility</p:attrName>
+                                        </p:attrNameLst>
+                                      </p:cBhvr>
+                                      <p:to>
+                                        <p:strVal val="visible"/>
+                                      </p:to>
+                                    </p:set>
+                                  </p:childTnLst>
+                                </p:cTn>
+                              </p:par>
+                            </p:childTnLst>
+                          </p:cTn>
+                        </p:par>
+                      </p:childTnLst>
+                    </p:cTn>
+                  </p:par>
+                  <p:par>
+                    <p:cTn id="11" fill="hold">
+                      <p:stCondLst>
+                        <p:cond delay="indefinite"/>
+                      </p:stCondLst>
+                      <p:childTnLst>
+                        <p:par>
+                          <p:cTn id="12" fill="hold">
+                            <p:stCondLst>
+                              <p:cond delay="0"/>
+                            </p:stCondLst>
+                            <p:childTnLst>
+                              <p:par>
+                                <p:cTn id="13" presetID="1" presetClass="entr" presetSubtype="0" fill="hold" grpId="0" nodeType="clickEffect">
+                                  <p:stCondLst>
+                                    <p:cond delay="0"/>
+                                  </p:stCondLst>
+                                  <p:childTnLst>
+                                    <p:set>
+                                      <p:cBhvr>
+                                        <p:cTn id="14" dur="1" fill="hold">
+                                          <p:stCondLst>
+                                            <p:cond delay="0"/>
+                                          </p:stCondLst>
+                                        </p:cTn>
+                                        <p:tgtEl>
+                                          <p:spTgt spid="6"/>
+                                        </p:tgtEl>
+                                        <p:attrNameLst>
+                                          <p:attrName>style.visibility</p:attrName>
+                                        </p:attrNameLst>
+                                      </p:cBhvr>
+                                      <p:to>
+                                        <p:strVal val="visible"/>
+                                      </p:to>
+                                    </p:set>
+                                  </p:childTnLst>
+                                </p:cTn>
+                              </p:par>
+                            </p:childTnLst>
+                          </p:cTn>
+                        </p:par>
+                      </p:childTnLst>
+                    </p:cTn>
+                  </p:par>
+                </p:childTnLst>
+              </p:cTn>
+              <p:prevCondLst>
+                <p:cond evt="onPrev" delay="0">
+                  <p:tgtEl>
+                    <p:sldTgt/>
+                  </p:tgtEl>
+                </p:cond>
+              </p:prevCondLst>
+              <p:nextCondLst>
+                <p:cond evt="onNext" delay="0">
+                  <p:tgtEl>
+                    <p:sldTgt/>
+                  </p:tgtEl>
+                </p:cond>
+              </p:nextCondLst>
+            </p:seq>
+          </p:childTnLst>
+        </p:cTn>
+      </p:par>
+    </p:tnLst>
+    <p:bldLst>
+      <p:bldP spid="3" grpId="0"/>
+      <p:bldP spid="5" grpId="0"/>
+      <p:bldP spid="6" grpId="0"/>
+    </p:bldLst>
+  </p:timing>
 </p:sld>
 </file>
 
